--- a/5월20일 팀프로젝트 프로토타입.pptx
+++ b/5월20일 팀프로젝트 프로토타입.pptx
@@ -8980,7 +8980,7 @@
         <p:spPr>
           <a:xfrm>
             <a:off x="1173002" y="723529"/>
-            <a:ext cx="2137124" cy="369332"/>
+            <a:ext cx="2640466" cy="369332"/>
           </a:xfrm>
           <a:prstGeom prst="rect">
             <a:avLst/>
@@ -9002,8 +9002,8 @@
               <a:t>: </a:t>
             </a:r>
             <a:r>
-              <a:rPr lang="en-US" altLang="ko-KR" dirty="0"/>
-              <a:t>FEE596</a:t>
+              <a:rPr lang="ko-KR" altLang="en-US" smtClean="0"/>
+              <a:t>파란색 계열</a:t>
             </a:r>
             <a:endParaRPr lang="ko-KR" altLang="en-US" dirty="0"/>
           </a:p>

--- a/5월20일 팀프로젝트 프로토타입.pptx
+++ b/5월20일 팀프로젝트 프로토타입.pptx
@@ -12,6 +12,7 @@
     <p:sldId id="260" r:id="rId6"/>
     <p:sldId id="262" r:id="rId7"/>
     <p:sldId id="263" r:id="rId8"/>
+    <p:sldId id="264" r:id="rId9"/>
   </p:sldIdLst>
   <p:sldSz cx="12192000" cy="6858000"/>
   <p:notesSz cx="6858000" cy="9144000"/>
@@ -3650,7 +3651,7 @@
         </p:nvSpPr>
         <p:spPr>
           <a:xfrm>
-            <a:off x="7988296" y="1773691"/>
+            <a:off x="7988296" y="1843873"/>
             <a:ext cx="1509485" cy="174171"/>
           </a:xfrm>
           <a:prstGeom prst="rect">
@@ -3919,14 +3920,14 @@
       </p:sp>
       <p:sp>
         <p:nvSpPr>
-          <p:cNvPr id="22" name="직사각형 21"/>
-          <p:cNvSpPr/>
-          <p:nvPr/>
-        </p:nvSpPr>
-        <p:spPr>
-          <a:xfrm>
-            <a:off x="527785" y="1552237"/>
-            <a:ext cx="1509485" cy="174171"/>
+          <p:cNvPr id="23" name="직사각형 22"/>
+          <p:cNvSpPr/>
+          <p:nvPr/>
+        </p:nvSpPr>
+        <p:spPr>
+          <a:xfrm>
+            <a:off x="2140505" y="1552237"/>
+            <a:ext cx="2057398" cy="223960"/>
           </a:xfrm>
           <a:prstGeom prst="rect">
             <a:avLst/>
@@ -3962,8 +3963,8 @@
           <a:p>
             <a:pPr algn="ctr"/>
             <a:r>
-              <a:rPr lang="ko-KR" altLang="en-US" dirty="0" err="1" smtClean="0"/>
-              <a:t>사이트이름</a:t>
+              <a:rPr lang="ko-KR" altLang="en-US" dirty="0" smtClean="0"/>
+              <a:t>메뉴</a:t>
             </a:r>
             <a:endParaRPr lang="ko-KR" altLang="en-US" dirty="0"/>
           </a:p>
@@ -3971,14 +3972,44 @@
       </p:sp>
       <p:sp>
         <p:nvSpPr>
-          <p:cNvPr id="23" name="직사각형 22"/>
-          <p:cNvSpPr/>
-          <p:nvPr/>
-        </p:nvSpPr>
-        <p:spPr>
-          <a:xfrm>
-            <a:off x="2140505" y="1552237"/>
-            <a:ext cx="2057398" cy="223960"/>
+          <p:cNvPr id="13" name="TextBox 12"/>
+          <p:cNvSpPr txBox="1"/>
+          <p:nvPr/>
+        </p:nvSpPr>
+        <p:spPr>
+          <a:xfrm>
+            <a:off x="7008090" y="795398"/>
+            <a:ext cx="2738250" cy="369332"/>
+          </a:xfrm>
+          <a:prstGeom prst="rect">
+            <a:avLst/>
+          </a:prstGeom>
+          <a:noFill/>
+        </p:spPr>
+        <p:txBody>
+          <a:bodyPr wrap="none" rtlCol="0">
+            <a:spAutoFit/>
+          </a:bodyPr>
+          <a:lstStyle/>
+          <a:p>
+            <a:r>
+              <a:rPr lang="ko-KR" altLang="en-US" smtClean="0"/>
+              <a:t>검색했을 경우 관련 랭킹</a:t>
+            </a:r>
+            <a:endParaRPr lang="ko-KR" altLang="en-US"/>
+          </a:p>
+        </p:txBody>
+      </p:sp>
+      <p:sp>
+        <p:nvSpPr>
+          <p:cNvPr id="25" name="직사각형 24"/>
+          <p:cNvSpPr/>
+          <p:nvPr/>
+        </p:nvSpPr>
+        <p:spPr>
+          <a:xfrm>
+            <a:off x="551016" y="1577131"/>
+            <a:ext cx="1509485" cy="174171"/>
           </a:xfrm>
           <a:prstGeom prst="rect">
             <a:avLst/>
@@ -4014,40 +4045,86 @@
           <a:p>
             <a:pPr algn="ctr"/>
             <a:r>
-              <a:rPr lang="ko-KR" altLang="en-US" dirty="0" smtClean="0"/>
-              <a:t>메뉴</a:t>
-            </a:r>
-            <a:endParaRPr lang="ko-KR" altLang="en-US" dirty="0"/>
-          </a:p>
-        </p:txBody>
-      </p:sp>
-      <p:sp>
-        <p:nvSpPr>
-          <p:cNvPr id="13" name="TextBox 12"/>
-          <p:cNvSpPr txBox="1"/>
-          <p:nvPr/>
-        </p:nvSpPr>
-        <p:spPr>
-          <a:xfrm>
-            <a:off x="7008090" y="795398"/>
-            <a:ext cx="2738250" cy="369332"/>
+              <a:rPr lang="ko-KR" altLang="en-US" sz="900" dirty="0" err="1" smtClean="0"/>
+              <a:t>사이트명</a:t>
+            </a:r>
+            <a:r>
+              <a:rPr lang="en-US" altLang="ko-KR" sz="900" dirty="0" smtClean="0"/>
+              <a:t>(home </a:t>
+            </a:r>
+            <a:r>
+              <a:rPr lang="en-US" altLang="ko-KR" sz="900" dirty="0" err="1" smtClean="0"/>
+              <a:t>butoon</a:t>
+            </a:r>
+            <a:r>
+              <a:rPr lang="en-US" altLang="ko-KR" sz="900" dirty="0" smtClean="0"/>
+              <a:t>)</a:t>
+            </a:r>
+            <a:endParaRPr lang="ko-KR" altLang="en-US" sz="900" dirty="0"/>
+          </a:p>
+        </p:txBody>
+      </p:sp>
+      <p:sp>
+        <p:nvSpPr>
+          <p:cNvPr id="26" name="직사각형 25"/>
+          <p:cNvSpPr/>
+          <p:nvPr/>
+        </p:nvSpPr>
+        <p:spPr>
+          <a:xfrm>
+            <a:off x="7988296" y="1587258"/>
+            <a:ext cx="1509485" cy="174171"/>
           </a:xfrm>
           <a:prstGeom prst="rect">
             <a:avLst/>
           </a:prstGeom>
-          <a:noFill/>
-        </p:spPr>
-        <p:txBody>
-          <a:bodyPr wrap="none" rtlCol="0">
-            <a:spAutoFit/>
-          </a:bodyPr>
-          <a:lstStyle/>
-          <a:p>
-            <a:r>
-              <a:rPr lang="ko-KR" altLang="en-US" smtClean="0"/>
-              <a:t>검색했을 경우 관련 랭킹</a:t>
-            </a:r>
-            <a:endParaRPr lang="ko-KR" altLang="en-US"/>
+          <a:solidFill>
+            <a:schemeClr val="accent3"/>
+          </a:solidFill>
+          <a:ln>
+            <a:solidFill>
+              <a:schemeClr val="tx1"/>
+            </a:solidFill>
+          </a:ln>
+        </p:spPr>
+        <p:style>
+          <a:lnRef idx="2">
+            <a:schemeClr val="accent1">
+              <a:shade val="50000"/>
+            </a:schemeClr>
+          </a:lnRef>
+          <a:fillRef idx="1">
+            <a:schemeClr val="accent1"/>
+          </a:fillRef>
+          <a:effectRef idx="0">
+            <a:schemeClr val="accent1"/>
+          </a:effectRef>
+          <a:fontRef idx="minor">
+            <a:schemeClr val="lt1"/>
+          </a:fontRef>
+        </p:style>
+        <p:txBody>
+          <a:bodyPr rtlCol="0" anchor="ctr"/>
+          <a:lstStyle/>
+          <a:p>
+            <a:pPr algn="ctr"/>
+            <a:r>
+              <a:rPr lang="ko-KR" altLang="en-US" sz="900" dirty="0" err="1" smtClean="0"/>
+              <a:t>사이트명</a:t>
+            </a:r>
+            <a:r>
+              <a:rPr lang="en-US" altLang="ko-KR" sz="900" dirty="0" smtClean="0"/>
+              <a:t>(home </a:t>
+            </a:r>
+            <a:r>
+              <a:rPr lang="en-US" altLang="ko-KR" sz="900" dirty="0" err="1" smtClean="0"/>
+              <a:t>butoon</a:t>
+            </a:r>
+            <a:r>
+              <a:rPr lang="en-US" altLang="ko-KR" sz="900" dirty="0" smtClean="0"/>
+              <a:t>)</a:t>
+            </a:r>
+            <a:endParaRPr lang="ko-KR" altLang="en-US" sz="900" dirty="0"/>
           </a:p>
         </p:txBody>
       </p:sp>
@@ -4929,8 +5006,8 @@
         </p:nvSpPr>
         <p:spPr>
           <a:xfrm>
-            <a:off x="1932215" y="1785256"/>
-            <a:ext cx="609600" cy="609600"/>
+            <a:off x="1802579" y="1800780"/>
+            <a:ext cx="760183" cy="609600"/>
           </a:xfrm>
           <a:prstGeom prst="ellipse">
             <a:avLst/>
@@ -4966,10 +5043,10 @@
           <a:p>
             <a:pPr algn="ctr"/>
             <a:r>
-              <a:rPr lang="en-US" altLang="ko-KR" sz="1100" dirty="0" smtClean="0"/>
+              <a:rPr lang="en-US" altLang="ko-KR" sz="1000" dirty="0" smtClean="0"/>
               <a:t>image</a:t>
             </a:r>
-            <a:endParaRPr lang="ko-KR" altLang="en-US" sz="1100" dirty="0"/>
+            <a:endParaRPr lang="ko-KR" altLang="en-US" sz="1000" dirty="0"/>
           </a:p>
         </p:txBody>
       </p:sp>
@@ -5018,10 +5095,10 @@
           <a:p>
             <a:pPr algn="ctr"/>
             <a:r>
-              <a:rPr lang="en-US" altLang="ko-KR" dirty="0" smtClean="0"/>
+              <a:rPr lang="en-US" altLang="ko-KR" sz="1400" dirty="0" smtClean="0"/>
               <a:t>search</a:t>
             </a:r>
-            <a:endParaRPr lang="ko-KR" altLang="en-US" dirty="0"/>
+            <a:endParaRPr lang="ko-KR" altLang="en-US" sz="1400" dirty="0"/>
           </a:p>
         </p:txBody>
       </p:sp>
@@ -5122,10 +5199,10 @@
           <a:p>
             <a:pPr algn="ctr"/>
             <a:r>
-              <a:rPr lang="en-US" altLang="ko-KR" dirty="0" smtClean="0"/>
+              <a:rPr lang="en-US" altLang="ko-KR" sz="1200" dirty="0" smtClean="0"/>
               <a:t>vote</a:t>
             </a:r>
-            <a:endParaRPr lang="ko-KR" altLang="en-US" dirty="0"/>
+            <a:endParaRPr lang="ko-KR" altLang="en-US" sz="1200" dirty="0"/>
           </a:p>
         </p:txBody>
       </p:sp>
@@ -5332,10 +5409,6 @@
           <a:p>
             <a:pPr algn="ctr"/>
             <a:r>
-              <a:rPr lang="ko-KR" altLang="en-US" sz="1100" dirty="0" smtClean="0"/>
-              <a:t>검색</a:t>
-            </a:r>
-            <a:r>
               <a:rPr lang="en-US" altLang="ko-KR" sz="1100" dirty="0" smtClean="0"/>
               <a:t>image</a:t>
             </a:r>
@@ -5492,8 +5565,8 @@
           <a:p>
             <a:pPr algn="ctr"/>
             <a:r>
-              <a:rPr lang="ko-KR" altLang="en-US" sz="1400" smtClean="0"/>
-              <a:t>의견의장</a:t>
+              <a:rPr lang="ko-KR" altLang="en-US" sz="1400" dirty="0" err="1" smtClean="0"/>
+              <a:t>댓글창</a:t>
             </a:r>
             <a:endParaRPr lang="ko-KR" altLang="en-US" sz="1400" dirty="0"/>
           </a:p>
@@ -5737,13 +5810,13 @@
       </p:sp>
       <p:sp>
         <p:nvSpPr>
-          <p:cNvPr id="21" name="직사각형 20"/>
-          <p:cNvSpPr/>
-          <p:nvPr/>
-        </p:nvSpPr>
-        <p:spPr>
-          <a:xfrm>
-            <a:off x="2328234" y="1542799"/>
+          <p:cNvPr id="22" name="직사각형 21"/>
+          <p:cNvSpPr/>
+          <p:nvPr/>
+        </p:nvSpPr>
+        <p:spPr>
+          <a:xfrm>
+            <a:off x="2328234" y="1548947"/>
             <a:ext cx="1509485" cy="174171"/>
           </a:xfrm>
           <a:prstGeom prst="rect">
@@ -5780,10 +5853,22 @@
           <a:p>
             <a:pPr algn="ctr"/>
             <a:r>
-              <a:rPr lang="ko-KR" altLang="en-US" dirty="0" err="1" smtClean="0"/>
-              <a:t>사이트이름</a:t>
-            </a:r>
-            <a:endParaRPr lang="ko-KR" altLang="en-US" dirty="0"/>
+              <a:rPr lang="ko-KR" altLang="en-US" sz="900" dirty="0" err="1" smtClean="0"/>
+              <a:t>사이트명</a:t>
+            </a:r>
+            <a:r>
+              <a:rPr lang="en-US" altLang="ko-KR" sz="900" dirty="0" smtClean="0"/>
+              <a:t>(home </a:t>
+            </a:r>
+            <a:r>
+              <a:rPr lang="en-US" altLang="ko-KR" sz="900" dirty="0" err="1" smtClean="0"/>
+              <a:t>butoon</a:t>
+            </a:r>
+            <a:r>
+              <a:rPr lang="en-US" altLang="ko-KR" sz="900" dirty="0" smtClean="0"/>
+              <a:t>)</a:t>
+            </a:r>
+            <a:endParaRPr lang="ko-KR" altLang="en-US" sz="900" dirty="0"/>
           </a:p>
         </p:txBody>
       </p:sp>
@@ -6207,8 +6292,8 @@
         </p:nvSpPr>
         <p:spPr>
           <a:xfrm>
-            <a:off x="7578272" y="1785256"/>
-            <a:ext cx="609600" cy="609600"/>
+            <a:off x="7353960" y="1883872"/>
+            <a:ext cx="668487" cy="722587"/>
           </a:xfrm>
           <a:prstGeom prst="ellipse">
             <a:avLst/>
@@ -6244,23 +6329,71 @@
           <a:p>
             <a:pPr algn="ctr"/>
             <a:r>
-              <a:rPr lang="en-US" altLang="ko-KR" sz="1100" dirty="0" smtClean="0"/>
+              <a:rPr lang="en-US" altLang="ko-KR" sz="800" dirty="0" smtClean="0"/>
               <a:t>image</a:t>
             </a:r>
-            <a:endParaRPr lang="ko-KR" altLang="en-US" sz="1100" dirty="0"/>
-          </a:p>
-        </p:txBody>
-      </p:sp>
-      <p:sp>
-        <p:nvSpPr>
-          <p:cNvPr id="24" name="직사각형 23"/>
-          <p:cNvSpPr/>
-          <p:nvPr/>
-        </p:nvSpPr>
-        <p:spPr>
-          <a:xfrm>
-            <a:off x="8338455" y="2039257"/>
-            <a:ext cx="1509485" cy="174171"/>
+            <a:endParaRPr lang="ko-KR" altLang="en-US" sz="800" dirty="0"/>
+          </a:p>
+        </p:txBody>
+      </p:sp>
+      <p:sp>
+        <p:nvSpPr>
+          <p:cNvPr id="18" name="직사각형 17"/>
+          <p:cNvSpPr/>
+          <p:nvPr/>
+        </p:nvSpPr>
+        <p:spPr>
+          <a:xfrm>
+            <a:off x="374073" y="1480455"/>
+            <a:ext cx="4921825" cy="3701143"/>
+          </a:xfrm>
+          <a:prstGeom prst="rect">
+            <a:avLst/>
+          </a:prstGeom>
+          <a:solidFill>
+            <a:schemeClr val="bg2"/>
+          </a:solidFill>
+          <a:ln>
+            <a:solidFill>
+              <a:schemeClr val="bg2"/>
+            </a:solidFill>
+          </a:ln>
+        </p:spPr>
+        <p:style>
+          <a:lnRef idx="2">
+            <a:schemeClr val="accent1">
+              <a:shade val="50000"/>
+            </a:schemeClr>
+          </a:lnRef>
+          <a:fillRef idx="1">
+            <a:schemeClr val="accent1"/>
+          </a:fillRef>
+          <a:effectRef idx="0">
+            <a:schemeClr val="accent1"/>
+          </a:effectRef>
+          <a:fontRef idx="minor">
+            <a:schemeClr val="lt1"/>
+          </a:fontRef>
+        </p:style>
+        <p:txBody>
+          <a:bodyPr rtlCol="0" anchor="ctr"/>
+          <a:lstStyle/>
+          <a:p>
+            <a:pPr algn="ctr"/>
+            <a:endParaRPr lang="ko-KR" altLang="en-US"/>
+          </a:p>
+        </p:txBody>
+      </p:sp>
+      <p:sp>
+        <p:nvSpPr>
+          <p:cNvPr id="19" name="직사각형 18"/>
+          <p:cNvSpPr/>
+          <p:nvPr/>
+        </p:nvSpPr>
+        <p:spPr>
+          <a:xfrm>
+            <a:off x="1217444" y="2245166"/>
+            <a:ext cx="3377357" cy="350937"/>
           </a:xfrm>
           <a:prstGeom prst="rect">
             <a:avLst/>
@@ -6305,64 +6438,16 @@
       </p:sp>
       <p:sp>
         <p:nvSpPr>
-          <p:cNvPr id="18" name="직사각형 17"/>
-          <p:cNvSpPr/>
-          <p:nvPr/>
-        </p:nvSpPr>
-        <p:spPr>
-          <a:xfrm>
-            <a:off x="374073" y="1480455"/>
-            <a:ext cx="4921825" cy="3701143"/>
-          </a:xfrm>
-          <a:prstGeom prst="rect">
-            <a:avLst/>
-          </a:prstGeom>
-          <a:solidFill>
-            <a:schemeClr val="bg2"/>
-          </a:solidFill>
-          <a:ln>
-            <a:solidFill>
-              <a:schemeClr val="bg2"/>
-            </a:solidFill>
-          </a:ln>
-        </p:spPr>
-        <p:style>
-          <a:lnRef idx="2">
-            <a:schemeClr val="accent1">
-              <a:shade val="50000"/>
-            </a:schemeClr>
-          </a:lnRef>
-          <a:fillRef idx="1">
-            <a:schemeClr val="accent1"/>
-          </a:fillRef>
-          <a:effectRef idx="0">
-            <a:schemeClr val="accent1"/>
-          </a:effectRef>
-          <a:fontRef idx="minor">
-            <a:schemeClr val="lt1"/>
-          </a:fontRef>
-        </p:style>
-        <p:txBody>
-          <a:bodyPr rtlCol="0" anchor="ctr"/>
-          <a:lstStyle/>
-          <a:p>
-            <a:pPr algn="ctr"/>
-            <a:endParaRPr lang="ko-KR" altLang="en-US"/>
-          </a:p>
-        </p:txBody>
-      </p:sp>
-      <p:sp>
-        <p:nvSpPr>
-          <p:cNvPr id="19" name="직사각형 18"/>
-          <p:cNvSpPr/>
-          <p:nvPr/>
-        </p:nvSpPr>
-        <p:spPr>
-          <a:xfrm>
-            <a:off x="1163782" y="2258461"/>
-            <a:ext cx="3377357" cy="350937"/>
-          </a:xfrm>
-          <a:prstGeom prst="rect">
+          <p:cNvPr id="20" name="타원 19"/>
+          <p:cNvSpPr/>
+          <p:nvPr/>
+        </p:nvSpPr>
+        <p:spPr>
+          <a:xfrm>
+            <a:off x="2160797" y="1926908"/>
+            <a:ext cx="1509485" cy="275771"/>
+          </a:xfrm>
+          <a:prstGeom prst="ellipse">
             <a:avLst/>
           </a:prstGeom>
           <a:solidFill>
@@ -6396,25 +6481,25 @@
           <a:p>
             <a:pPr algn="ctr"/>
             <a:r>
-              <a:rPr lang="en-US" altLang="ko-KR" dirty="0" smtClean="0"/>
-              <a:t>search</a:t>
-            </a:r>
-            <a:endParaRPr lang="ko-KR" altLang="en-US" dirty="0"/>
-          </a:p>
-        </p:txBody>
-      </p:sp>
-      <p:sp>
-        <p:nvSpPr>
-          <p:cNvPr id="20" name="타원 19"/>
-          <p:cNvSpPr/>
-          <p:nvPr/>
-        </p:nvSpPr>
-        <p:spPr>
-          <a:xfrm>
-            <a:off x="2160797" y="1926908"/>
-            <a:ext cx="1509485" cy="275771"/>
-          </a:xfrm>
-          <a:prstGeom prst="ellipse">
+              <a:rPr lang="ko-KR" altLang="en-US" sz="1050" dirty="0" smtClean="0"/>
+              <a:t>이미지</a:t>
+            </a:r>
+            <a:endParaRPr lang="ko-KR" altLang="en-US" sz="1050" dirty="0"/>
+          </a:p>
+        </p:txBody>
+      </p:sp>
+      <p:sp>
+        <p:nvSpPr>
+          <p:cNvPr id="25" name="직사각형 24"/>
+          <p:cNvSpPr/>
+          <p:nvPr/>
+        </p:nvSpPr>
+        <p:spPr>
+          <a:xfrm>
+            <a:off x="4668640" y="2039257"/>
+            <a:ext cx="569043" cy="3007368"/>
+          </a:xfrm>
+          <a:prstGeom prst="rect">
             <a:avLst/>
           </a:prstGeom>
           <a:solidFill>
@@ -6448,23 +6533,23 @@
           <a:p>
             <a:pPr algn="ctr"/>
             <a:r>
-              <a:rPr lang="en-US" altLang="ko-KR" dirty="0" smtClean="0"/>
-              <a:t>image</a:t>
-            </a:r>
-            <a:endParaRPr lang="ko-KR" altLang="en-US" dirty="0"/>
-          </a:p>
-        </p:txBody>
-      </p:sp>
-      <p:sp>
-        <p:nvSpPr>
-          <p:cNvPr id="25" name="직사각형 24"/>
-          <p:cNvSpPr/>
-          <p:nvPr/>
-        </p:nvSpPr>
-        <p:spPr>
-          <a:xfrm>
-            <a:off x="4668640" y="2039257"/>
-            <a:ext cx="569043" cy="3007368"/>
+              <a:rPr lang="en-US" altLang="ko-KR" sz="800" dirty="0" smtClean="0"/>
+              <a:t>Real time Ranking</a:t>
+            </a:r>
+            <a:endParaRPr lang="ko-KR" altLang="en-US" sz="800" dirty="0"/>
+          </a:p>
+        </p:txBody>
+      </p:sp>
+      <p:sp>
+        <p:nvSpPr>
+          <p:cNvPr id="26" name="직사각형 25"/>
+          <p:cNvSpPr/>
+          <p:nvPr/>
+        </p:nvSpPr>
+        <p:spPr>
+          <a:xfrm>
+            <a:off x="1737342" y="3000831"/>
+            <a:ext cx="2253234" cy="2045794"/>
           </a:xfrm>
           <a:prstGeom prst="rect">
             <a:avLst/>
@@ -6501,7 +6586,7 @@
             <a:pPr algn="ctr"/>
             <a:r>
               <a:rPr lang="en-US" altLang="ko-KR" dirty="0" smtClean="0"/>
-              <a:t>Real time Ranking</a:t>
+              <a:t>Hot Ranking</a:t>
             </a:r>
             <a:endParaRPr lang="ko-KR" altLang="en-US" dirty="0"/>
           </a:p>
@@ -6509,14 +6594,14 @@
       </p:sp>
       <p:sp>
         <p:nvSpPr>
-          <p:cNvPr id="26" name="직사각형 25"/>
-          <p:cNvSpPr/>
-          <p:nvPr/>
-        </p:nvSpPr>
-        <p:spPr>
-          <a:xfrm>
-            <a:off x="1687819" y="3000831"/>
-            <a:ext cx="2253234" cy="1014622"/>
+          <p:cNvPr id="27" name="직사각형 26"/>
+          <p:cNvSpPr/>
+          <p:nvPr/>
+        </p:nvSpPr>
+        <p:spPr>
+          <a:xfrm>
+            <a:off x="4301672" y="1551443"/>
+            <a:ext cx="899883" cy="260566"/>
           </a:xfrm>
           <a:prstGeom prst="rect">
             <a:avLst/>
@@ -6552,23 +6637,71 @@
           <a:p>
             <a:pPr algn="ctr"/>
             <a:r>
-              <a:rPr lang="en-US" altLang="ko-KR" dirty="0" smtClean="0"/>
-              <a:t>Hot Ranking</a:t>
-            </a:r>
-            <a:endParaRPr lang="ko-KR" altLang="en-US" dirty="0"/>
-          </a:p>
-        </p:txBody>
-      </p:sp>
-      <p:sp>
-        <p:nvSpPr>
-          <p:cNvPr id="27" name="직사각형 26"/>
-          <p:cNvSpPr/>
-          <p:nvPr/>
-        </p:nvSpPr>
-        <p:spPr>
-          <a:xfrm>
-            <a:off x="4301672" y="1551443"/>
-            <a:ext cx="899883" cy="260566"/>
+              <a:rPr lang="ko-KR" altLang="en-US" sz="800" dirty="0" smtClean="0">
+                <a:solidFill>
+                  <a:schemeClr val="bg1"/>
+                </a:solidFill>
+              </a:rPr>
+              <a:t>로그인</a:t>
+            </a:r>
+            <a:r>
+              <a:rPr lang="en-US" altLang="ko-KR" sz="800" dirty="0" smtClean="0">
+                <a:solidFill>
+                  <a:schemeClr val="bg1"/>
+                </a:solidFill>
+              </a:rPr>
+              <a:t>/</a:t>
+            </a:r>
+            <a:r>
+              <a:rPr lang="ko-KR" altLang="en-US" sz="800" dirty="0" smtClean="0">
+                <a:solidFill>
+                  <a:schemeClr val="bg1"/>
+                </a:solidFill>
+              </a:rPr>
+              <a:t>회원가입</a:t>
+            </a:r>
+            <a:r>
+              <a:rPr lang="en-US" altLang="ko-KR" sz="800" dirty="0">
+                <a:solidFill>
+                  <a:schemeClr val="bg1"/>
+                </a:solidFill>
+              </a:rPr>
+              <a:t> </a:t>
+            </a:r>
+            <a:r>
+              <a:rPr lang="en-US" altLang="ko-KR" sz="800" dirty="0" smtClean="0">
+                <a:solidFill>
+                  <a:schemeClr val="bg1"/>
+                </a:solidFill>
+              </a:rPr>
+              <a:t>or </a:t>
+            </a:r>
+            <a:r>
+              <a:rPr lang="ko-KR" altLang="en-US" sz="800" dirty="0" smtClean="0">
+                <a:solidFill>
+                  <a:schemeClr val="bg1"/>
+                </a:solidFill>
+              </a:rPr>
+              <a:t>내 정보</a:t>
+            </a:r>
+            <a:endParaRPr lang="ko-KR" altLang="en-US" sz="800" dirty="0">
+              <a:solidFill>
+                <a:schemeClr val="bg1"/>
+              </a:solidFill>
+            </a:endParaRPr>
+          </a:p>
+        </p:txBody>
+      </p:sp>
+      <p:sp>
+        <p:nvSpPr>
+          <p:cNvPr id="29" name="직사각형 28"/>
+          <p:cNvSpPr/>
+          <p:nvPr/>
+        </p:nvSpPr>
+        <p:spPr>
+          <a:xfrm>
+            <a:off x="522516" y="1621808"/>
+            <a:ext cx="1509485" cy="174171"/>
           </a:xfrm>
           <a:prstGeom prst="rect">
             <a:avLst/>
@@ -6604,428 +6737,436 @@
           <a:p>
             <a:pPr algn="ctr"/>
             <a:r>
-              <a:rPr lang="ko-KR" altLang="en-US" sz="1000" dirty="0" smtClean="0">
+              <a:rPr lang="ko-KR" altLang="en-US" sz="900" dirty="0" err="1" smtClean="0"/>
+              <a:t>사이트명</a:t>
+            </a:r>
+            <a:r>
+              <a:rPr lang="en-US" altLang="ko-KR" sz="900" dirty="0" smtClean="0"/>
+              <a:t>(home </a:t>
+            </a:r>
+            <a:r>
+              <a:rPr lang="en-US" altLang="ko-KR" sz="900" dirty="0" err="1" smtClean="0"/>
+              <a:t>butoon</a:t>
+            </a:r>
+            <a:r>
+              <a:rPr lang="en-US" altLang="ko-KR" sz="900" dirty="0" smtClean="0"/>
+              <a:t>)</a:t>
+            </a:r>
+            <a:endParaRPr lang="ko-KR" altLang="en-US" sz="900" dirty="0"/>
+          </a:p>
+        </p:txBody>
+      </p:sp>
+      <p:sp>
+        <p:nvSpPr>
+          <p:cNvPr id="30" name="직사각형 29"/>
+          <p:cNvSpPr/>
+          <p:nvPr/>
+        </p:nvSpPr>
+        <p:spPr>
+          <a:xfrm>
+            <a:off x="2126344" y="1559619"/>
+            <a:ext cx="2057398" cy="223960"/>
+          </a:xfrm>
+          <a:prstGeom prst="rect">
+            <a:avLst/>
+          </a:prstGeom>
+          <a:solidFill>
+            <a:schemeClr val="accent3"/>
+          </a:solidFill>
+          <a:ln>
+            <a:solidFill>
+              <a:schemeClr val="tx1"/>
+            </a:solidFill>
+          </a:ln>
+        </p:spPr>
+        <p:style>
+          <a:lnRef idx="2">
+            <a:schemeClr val="accent1">
+              <a:shade val="50000"/>
+            </a:schemeClr>
+          </a:lnRef>
+          <a:fillRef idx="1">
+            <a:schemeClr val="accent1"/>
+          </a:fillRef>
+          <a:effectRef idx="0">
+            <a:schemeClr val="accent1"/>
+          </a:effectRef>
+          <a:fontRef idx="minor">
+            <a:schemeClr val="lt1"/>
+          </a:fontRef>
+        </p:style>
+        <p:txBody>
+          <a:bodyPr rtlCol="0" anchor="ctr"/>
+          <a:lstStyle/>
+          <a:p>
+            <a:pPr algn="ctr"/>
+            <a:r>
+              <a:rPr lang="ko-KR" altLang="en-US" sz="1050" dirty="0" smtClean="0"/>
+              <a:t>커뮤니티</a:t>
+            </a:r>
+            <a:r>
+              <a:rPr lang="en-US" altLang="ko-KR" sz="1050" dirty="0" smtClean="0"/>
+              <a:t>(button)</a:t>
+            </a:r>
+            <a:endParaRPr lang="ko-KR" altLang="en-US" sz="1050" dirty="0"/>
+          </a:p>
+        </p:txBody>
+      </p:sp>
+      <p:sp>
+        <p:nvSpPr>
+          <p:cNvPr id="8" name="TextBox 7"/>
+          <p:cNvSpPr txBox="1"/>
+          <p:nvPr/>
+        </p:nvSpPr>
+        <p:spPr>
+          <a:xfrm>
+            <a:off x="1494298" y="606589"/>
+            <a:ext cx="9547742" cy="369332"/>
+          </a:xfrm>
+          <a:prstGeom prst="rect">
+            <a:avLst/>
+          </a:prstGeom>
+          <a:noFill/>
+        </p:spPr>
+        <p:txBody>
+          <a:bodyPr wrap="none" rtlCol="0">
+            <a:spAutoFit/>
+          </a:bodyPr>
+          <a:lstStyle/>
+          <a:p>
+            <a:r>
+              <a:rPr lang="ko-KR" altLang="en-US" dirty="0" smtClean="0"/>
+              <a:t>메뉴 </a:t>
+            </a:r>
+            <a:r>
+              <a:rPr lang="en-US" altLang="ko-KR" dirty="0" smtClean="0"/>
+              <a:t>bar : </a:t>
+            </a:r>
+            <a:r>
+              <a:rPr lang="ko-KR" altLang="en-US" dirty="0" smtClean="0"/>
+              <a:t>카테고리</a:t>
+            </a:r>
+            <a:r>
+              <a:rPr lang="en-US" altLang="ko-KR" dirty="0" smtClean="0"/>
+              <a:t>(</a:t>
+            </a:r>
+            <a:r>
+              <a:rPr lang="ko-KR" altLang="en-US" dirty="0" smtClean="0"/>
+              <a:t>문화</a:t>
+            </a:r>
+            <a:r>
+              <a:rPr lang="en-US" altLang="ko-KR" dirty="0" smtClean="0"/>
+              <a:t>(</a:t>
+            </a:r>
+            <a:r>
+              <a:rPr lang="ko-KR" altLang="en-US" dirty="0" smtClean="0"/>
+              <a:t>웹툰</a:t>
+            </a:r>
+            <a:r>
+              <a:rPr lang="en-US" altLang="ko-KR" dirty="0" smtClean="0"/>
+              <a:t>,</a:t>
+            </a:r>
+            <a:r>
+              <a:rPr lang="ko-KR" altLang="en-US" dirty="0" smtClean="0"/>
+              <a:t>영화</a:t>
+            </a:r>
+            <a:r>
+              <a:rPr lang="en-US" altLang="ko-KR" dirty="0" smtClean="0"/>
+              <a:t>,</a:t>
+            </a:r>
+            <a:r>
+              <a:rPr lang="ko-KR" altLang="en-US" dirty="0" smtClean="0"/>
+              <a:t>드라마</a:t>
+            </a:r>
+            <a:r>
+              <a:rPr lang="en-US" altLang="ko-KR" dirty="0" smtClean="0"/>
+              <a:t>),</a:t>
+            </a:r>
+            <a:r>
+              <a:rPr lang="ko-KR" altLang="en-US" dirty="0" smtClean="0"/>
+              <a:t>게임</a:t>
+            </a:r>
+            <a:r>
+              <a:rPr lang="en-US" altLang="ko-KR" dirty="0" smtClean="0"/>
+              <a:t>(</a:t>
+            </a:r>
+            <a:r>
+              <a:rPr lang="ko-KR" altLang="en-US" dirty="0" smtClean="0"/>
+              <a:t>롤</a:t>
+            </a:r>
+            <a:r>
+              <a:rPr lang="en-US" altLang="ko-KR" dirty="0" smtClean="0"/>
+              <a:t>),</a:t>
+            </a:r>
+            <a:r>
+              <a:rPr lang="ko-KR" altLang="en-US" dirty="0" smtClean="0"/>
+              <a:t>스포츠</a:t>
+            </a:r>
+            <a:r>
+              <a:rPr lang="en-US" altLang="ko-KR" dirty="0" smtClean="0"/>
+              <a:t>(</a:t>
+            </a:r>
+            <a:r>
+              <a:rPr lang="ko-KR" altLang="en-US" dirty="0" smtClean="0"/>
+              <a:t>등등</a:t>
+            </a:r>
+            <a:r>
+              <a:rPr lang="en-US" altLang="ko-KR" dirty="0" smtClean="0"/>
+              <a:t>) , </a:t>
+            </a:r>
+            <a:r>
+              <a:rPr lang="ko-KR" altLang="en-US" dirty="0" smtClean="0"/>
+              <a:t>커뮤니티 </a:t>
+            </a:r>
+            <a:r>
+              <a:rPr lang="en-US" altLang="ko-KR" dirty="0" smtClean="0"/>
+              <a:t>, </a:t>
+            </a:r>
+            <a:r>
+              <a:rPr lang="ko-KR" altLang="en-US" dirty="0" err="1" smtClean="0"/>
+              <a:t>공지창</a:t>
+            </a:r>
+            <a:r>
+              <a:rPr lang="ko-KR" altLang="en-US" dirty="0" smtClean="0"/>
+              <a:t> </a:t>
+            </a:r>
+            <a:r>
+              <a:rPr lang="en-US" altLang="ko-KR" dirty="0" smtClean="0"/>
+              <a:t>, </a:t>
+            </a:r>
+            <a:r>
+              <a:rPr lang="ko-KR" altLang="en-US" dirty="0" smtClean="0"/>
+              <a:t>지역</a:t>
+            </a:r>
+            <a:r>
+              <a:rPr lang="en-US" altLang="ko-KR" dirty="0" smtClean="0"/>
+              <a:t> </a:t>
+            </a:r>
+            <a:endParaRPr lang="ko-KR" altLang="en-US" dirty="0"/>
+          </a:p>
+        </p:txBody>
+      </p:sp>
+      <p:sp>
+        <p:nvSpPr>
+          <p:cNvPr id="32" name="직사각형 31"/>
+          <p:cNvSpPr/>
+          <p:nvPr/>
+        </p:nvSpPr>
+        <p:spPr>
+          <a:xfrm>
+            <a:off x="2404299" y="2685645"/>
+            <a:ext cx="861372" cy="200213"/>
+          </a:xfrm>
+          <a:prstGeom prst="rect">
+            <a:avLst/>
+          </a:prstGeom>
+          <a:solidFill>
+            <a:schemeClr val="accent3"/>
+          </a:solidFill>
+          <a:ln>
+            <a:solidFill>
+              <a:schemeClr val="tx1"/>
+            </a:solidFill>
+          </a:ln>
+        </p:spPr>
+        <p:style>
+          <a:lnRef idx="2">
+            <a:schemeClr val="accent1">
+              <a:shade val="50000"/>
+            </a:schemeClr>
+          </a:lnRef>
+          <a:fillRef idx="1">
+            <a:schemeClr val="accent1"/>
+          </a:fillRef>
+          <a:effectRef idx="0">
+            <a:schemeClr val="accent1"/>
+          </a:effectRef>
+          <a:fontRef idx="minor">
+            <a:schemeClr val="lt1"/>
+          </a:fontRef>
+        </p:style>
+        <p:txBody>
+          <a:bodyPr rtlCol="0" anchor="ctr"/>
+          <a:lstStyle/>
+          <a:p>
+            <a:pPr algn="ctr"/>
+            <a:r>
+              <a:rPr lang="ko-KR" altLang="en-US" sz="1050" dirty="0" smtClean="0"/>
+              <a:t>장르 선택</a:t>
+            </a:r>
+            <a:endParaRPr lang="ko-KR" altLang="en-US" sz="1050" dirty="0"/>
+          </a:p>
+        </p:txBody>
+      </p:sp>
+      <p:sp>
+        <p:nvSpPr>
+          <p:cNvPr id="33" name="직사각형 32"/>
+          <p:cNvSpPr/>
+          <p:nvPr/>
+        </p:nvSpPr>
+        <p:spPr>
+          <a:xfrm>
+            <a:off x="7990557" y="1534723"/>
+            <a:ext cx="1509485" cy="174171"/>
+          </a:xfrm>
+          <a:prstGeom prst="rect">
+            <a:avLst/>
+          </a:prstGeom>
+          <a:solidFill>
+            <a:schemeClr val="accent3"/>
+          </a:solidFill>
+          <a:ln>
+            <a:solidFill>
+              <a:schemeClr val="tx1"/>
+            </a:solidFill>
+          </a:ln>
+        </p:spPr>
+        <p:style>
+          <a:lnRef idx="2">
+            <a:schemeClr val="accent1">
+              <a:shade val="50000"/>
+            </a:schemeClr>
+          </a:lnRef>
+          <a:fillRef idx="1">
+            <a:schemeClr val="accent1"/>
+          </a:fillRef>
+          <a:effectRef idx="0">
+            <a:schemeClr val="accent1"/>
+          </a:effectRef>
+          <a:fontRef idx="minor">
+            <a:schemeClr val="lt1"/>
+          </a:fontRef>
+        </p:style>
+        <p:txBody>
+          <a:bodyPr rtlCol="0" anchor="ctr"/>
+          <a:lstStyle/>
+          <a:p>
+            <a:pPr algn="ctr"/>
+            <a:r>
+              <a:rPr lang="ko-KR" altLang="en-US" sz="900" dirty="0" err="1" smtClean="0"/>
+              <a:t>사이트명</a:t>
+            </a:r>
+            <a:r>
+              <a:rPr lang="en-US" altLang="ko-KR" sz="900" dirty="0" smtClean="0"/>
+              <a:t>( home button)</a:t>
+            </a:r>
+            <a:endParaRPr lang="ko-KR" altLang="en-US" sz="900" dirty="0"/>
+          </a:p>
+        </p:txBody>
+      </p:sp>
+      <p:sp>
+        <p:nvSpPr>
+          <p:cNvPr id="3" name="직사각형 2"/>
+          <p:cNvSpPr/>
+          <p:nvPr/>
+        </p:nvSpPr>
+        <p:spPr>
+          <a:xfrm>
+            <a:off x="374073" y="4699000"/>
+            <a:ext cx="843371" cy="482598"/>
+          </a:xfrm>
+          <a:prstGeom prst="rect">
+            <a:avLst/>
+          </a:prstGeom>
+          <a:noFill/>
+          <a:ln>
+            <a:solidFill>
+              <a:schemeClr val="tx1"/>
+            </a:solidFill>
+          </a:ln>
+        </p:spPr>
+        <p:style>
+          <a:lnRef idx="2">
+            <a:schemeClr val="accent1">
+              <a:shade val="50000"/>
+            </a:schemeClr>
+          </a:lnRef>
+          <a:fillRef idx="1">
+            <a:schemeClr val="accent1"/>
+          </a:fillRef>
+          <a:effectRef idx="0">
+            <a:schemeClr val="accent1"/>
+          </a:effectRef>
+          <a:fontRef idx="minor">
+            <a:schemeClr val="lt1"/>
+          </a:fontRef>
+        </p:style>
+        <p:txBody>
+          <a:bodyPr rtlCol="0" anchor="ctr"/>
+          <a:lstStyle/>
+          <a:p>
+            <a:pPr algn="ctr"/>
+            <a:r>
+              <a:rPr lang="en-US" altLang="ko-KR" dirty="0" smtClean="0">
                 <a:solidFill>
                   <a:schemeClr val="tx1"/>
                 </a:solidFill>
               </a:rPr>
-              <a:t>로그인</a:t>
-            </a:r>
-            <a:r>
-              <a:rPr lang="en-US" altLang="ko-KR" sz="1000" dirty="0" smtClean="0">
+              <a:t>Index</a:t>
+            </a:r>
+            <a:endParaRPr lang="ko-KR" altLang="en-US" dirty="0">
+              <a:solidFill>
+                <a:schemeClr val="tx1"/>
+              </a:solidFill>
+            </a:endParaRPr>
+          </a:p>
+        </p:txBody>
+      </p:sp>
+      <p:sp>
+        <p:nvSpPr>
+          <p:cNvPr id="31" name="직사각형 30"/>
+          <p:cNvSpPr/>
+          <p:nvPr/>
+        </p:nvSpPr>
+        <p:spPr>
+          <a:xfrm>
+            <a:off x="7302945" y="4698335"/>
+            <a:ext cx="843371" cy="482598"/>
+          </a:xfrm>
+          <a:prstGeom prst="rect">
+            <a:avLst/>
+          </a:prstGeom>
+          <a:noFill/>
+          <a:ln>
+            <a:solidFill>
+              <a:schemeClr val="tx1"/>
+            </a:solidFill>
+          </a:ln>
+        </p:spPr>
+        <p:style>
+          <a:lnRef idx="2">
+            <a:schemeClr val="accent1">
+              <a:shade val="50000"/>
+            </a:schemeClr>
+          </a:lnRef>
+          <a:fillRef idx="1">
+            <a:schemeClr val="accent1"/>
+          </a:fillRef>
+          <a:effectRef idx="0">
+            <a:schemeClr val="accent1"/>
+          </a:effectRef>
+          <a:fontRef idx="minor">
+            <a:schemeClr val="lt1"/>
+          </a:fontRef>
+        </p:style>
+        <p:txBody>
+          <a:bodyPr rtlCol="0" anchor="ctr"/>
+          <a:lstStyle/>
+          <a:p>
+            <a:pPr algn="ctr"/>
+            <a:r>
+              <a:rPr lang="en-US" altLang="ko-KR" dirty="0" smtClean="0">
                 <a:solidFill>
                   <a:schemeClr val="tx1"/>
                 </a:solidFill>
               </a:rPr>
-              <a:t>/</a:t>
-            </a:r>
-            <a:r>
-              <a:rPr lang="ko-KR" altLang="en-US" sz="1000" dirty="0" smtClean="0">
-                <a:solidFill>
-                  <a:schemeClr val="tx1"/>
-                </a:solidFill>
-              </a:rPr>
-              <a:t>회원가입</a:t>
-            </a:r>
-            <a:endParaRPr lang="ko-KR" altLang="en-US" sz="1000" dirty="0">
+              <a:t>Login</a:t>
+            </a:r>
+            <a:endParaRPr lang="ko-KR" altLang="en-US" dirty="0">
               <a:solidFill>
                 <a:schemeClr val="tx1"/>
               </a:solidFill>
             </a:endParaRPr>
-          </a:p>
-        </p:txBody>
-      </p:sp>
-      <p:sp>
-        <p:nvSpPr>
-          <p:cNvPr id="28" name="직사각형 27"/>
-          <p:cNvSpPr/>
-          <p:nvPr/>
-        </p:nvSpPr>
-        <p:spPr>
-          <a:xfrm>
-            <a:off x="1698650" y="4111173"/>
-            <a:ext cx="2231572" cy="1014622"/>
-          </a:xfrm>
-          <a:prstGeom prst="rect">
-            <a:avLst/>
-          </a:prstGeom>
-          <a:solidFill>
-            <a:schemeClr val="accent3"/>
-          </a:solidFill>
-          <a:ln>
-            <a:solidFill>
-              <a:schemeClr val="tx1"/>
-            </a:solidFill>
-          </a:ln>
-        </p:spPr>
-        <p:style>
-          <a:lnRef idx="2">
-            <a:schemeClr val="accent1">
-              <a:shade val="50000"/>
-            </a:schemeClr>
-          </a:lnRef>
-          <a:fillRef idx="1">
-            <a:schemeClr val="accent1"/>
-          </a:fillRef>
-          <a:effectRef idx="0">
-            <a:schemeClr val="accent1"/>
-          </a:effectRef>
-          <a:fontRef idx="minor">
-            <a:schemeClr val="lt1"/>
-          </a:fontRef>
-        </p:style>
-        <p:txBody>
-          <a:bodyPr rtlCol="0" anchor="ctr"/>
-          <a:lstStyle/>
-          <a:p>
-            <a:pPr algn="ctr"/>
-            <a:r>
-              <a:rPr lang="en-US" altLang="ko-KR" dirty="0" smtClean="0"/>
-              <a:t>Hot Ranking</a:t>
-            </a:r>
-            <a:endParaRPr lang="ko-KR" altLang="en-US" dirty="0"/>
-          </a:p>
-        </p:txBody>
-      </p:sp>
-      <p:sp>
-        <p:nvSpPr>
-          <p:cNvPr id="29" name="직사각형 28"/>
-          <p:cNvSpPr/>
-          <p:nvPr/>
-        </p:nvSpPr>
-        <p:spPr>
-          <a:xfrm>
-            <a:off x="513624" y="1559619"/>
-            <a:ext cx="1509485" cy="174171"/>
-          </a:xfrm>
-          <a:prstGeom prst="rect">
-            <a:avLst/>
-          </a:prstGeom>
-          <a:solidFill>
-            <a:schemeClr val="accent3"/>
-          </a:solidFill>
-          <a:ln>
-            <a:solidFill>
-              <a:schemeClr val="tx1"/>
-            </a:solidFill>
-          </a:ln>
-        </p:spPr>
-        <p:style>
-          <a:lnRef idx="2">
-            <a:schemeClr val="accent1">
-              <a:shade val="50000"/>
-            </a:schemeClr>
-          </a:lnRef>
-          <a:fillRef idx="1">
-            <a:schemeClr val="accent1"/>
-          </a:fillRef>
-          <a:effectRef idx="0">
-            <a:schemeClr val="accent1"/>
-          </a:effectRef>
-          <a:fontRef idx="minor">
-            <a:schemeClr val="lt1"/>
-          </a:fontRef>
-        </p:style>
-        <p:txBody>
-          <a:bodyPr rtlCol="0" anchor="ctr"/>
-          <a:lstStyle/>
-          <a:p>
-            <a:pPr algn="ctr"/>
-            <a:r>
-              <a:rPr lang="ko-KR" altLang="en-US" dirty="0" err="1" smtClean="0"/>
-              <a:t>사이트이름</a:t>
-            </a:r>
-            <a:endParaRPr lang="ko-KR" altLang="en-US" dirty="0"/>
-          </a:p>
-        </p:txBody>
-      </p:sp>
-      <p:sp>
-        <p:nvSpPr>
-          <p:cNvPr id="30" name="직사각형 29"/>
-          <p:cNvSpPr/>
-          <p:nvPr/>
-        </p:nvSpPr>
-        <p:spPr>
-          <a:xfrm>
-            <a:off x="2126344" y="1559619"/>
-            <a:ext cx="2057398" cy="223960"/>
-          </a:xfrm>
-          <a:prstGeom prst="rect">
-            <a:avLst/>
-          </a:prstGeom>
-          <a:solidFill>
-            <a:schemeClr val="accent3"/>
-          </a:solidFill>
-          <a:ln>
-            <a:solidFill>
-              <a:schemeClr val="tx1"/>
-            </a:solidFill>
-          </a:ln>
-        </p:spPr>
-        <p:style>
-          <a:lnRef idx="2">
-            <a:schemeClr val="accent1">
-              <a:shade val="50000"/>
-            </a:schemeClr>
-          </a:lnRef>
-          <a:fillRef idx="1">
-            <a:schemeClr val="accent1"/>
-          </a:fillRef>
-          <a:effectRef idx="0">
-            <a:schemeClr val="accent1"/>
-          </a:effectRef>
-          <a:fontRef idx="minor">
-            <a:schemeClr val="lt1"/>
-          </a:fontRef>
-        </p:style>
-        <p:txBody>
-          <a:bodyPr rtlCol="0" anchor="ctr"/>
-          <a:lstStyle/>
-          <a:p>
-            <a:pPr algn="ctr"/>
-            <a:r>
-              <a:rPr lang="ko-KR" altLang="en-US" dirty="0" smtClean="0"/>
-              <a:t>카테고리</a:t>
-            </a:r>
-            <a:endParaRPr lang="ko-KR" altLang="en-US" dirty="0"/>
-          </a:p>
-        </p:txBody>
-      </p:sp>
-      <p:sp>
-        <p:nvSpPr>
-          <p:cNvPr id="8" name="TextBox 7"/>
-          <p:cNvSpPr txBox="1"/>
-          <p:nvPr/>
-        </p:nvSpPr>
-        <p:spPr>
-          <a:xfrm>
-            <a:off x="1494298" y="606589"/>
-            <a:ext cx="9547742" cy="369332"/>
-          </a:xfrm>
-          <a:prstGeom prst="rect">
-            <a:avLst/>
-          </a:prstGeom>
-          <a:noFill/>
-        </p:spPr>
-        <p:txBody>
-          <a:bodyPr wrap="none" rtlCol="0">
-            <a:spAutoFit/>
-          </a:bodyPr>
-          <a:lstStyle/>
-          <a:p>
-            <a:r>
-              <a:rPr lang="ko-KR" altLang="en-US" dirty="0" smtClean="0"/>
-              <a:t>메뉴 </a:t>
-            </a:r>
-            <a:r>
-              <a:rPr lang="en-US" altLang="ko-KR" dirty="0" smtClean="0"/>
-              <a:t>bar : </a:t>
-            </a:r>
-            <a:r>
-              <a:rPr lang="ko-KR" altLang="en-US" dirty="0" smtClean="0"/>
-              <a:t>카테고리</a:t>
-            </a:r>
-            <a:r>
-              <a:rPr lang="en-US" altLang="ko-KR" dirty="0" smtClean="0"/>
-              <a:t>(</a:t>
-            </a:r>
-            <a:r>
-              <a:rPr lang="ko-KR" altLang="en-US" dirty="0" smtClean="0"/>
-              <a:t>문화</a:t>
-            </a:r>
-            <a:r>
-              <a:rPr lang="en-US" altLang="ko-KR" dirty="0" smtClean="0"/>
-              <a:t>(</a:t>
-            </a:r>
-            <a:r>
-              <a:rPr lang="ko-KR" altLang="en-US" dirty="0" smtClean="0"/>
-              <a:t>웹툰</a:t>
-            </a:r>
-            <a:r>
-              <a:rPr lang="en-US" altLang="ko-KR" dirty="0" smtClean="0"/>
-              <a:t>,</a:t>
-            </a:r>
-            <a:r>
-              <a:rPr lang="ko-KR" altLang="en-US" dirty="0" smtClean="0"/>
-              <a:t>영화</a:t>
-            </a:r>
-            <a:r>
-              <a:rPr lang="en-US" altLang="ko-KR" dirty="0" smtClean="0"/>
-              <a:t>,</a:t>
-            </a:r>
-            <a:r>
-              <a:rPr lang="ko-KR" altLang="en-US" dirty="0" smtClean="0"/>
-              <a:t>드라마</a:t>
-            </a:r>
-            <a:r>
-              <a:rPr lang="en-US" altLang="ko-KR" dirty="0" smtClean="0"/>
-              <a:t>),</a:t>
-            </a:r>
-            <a:r>
-              <a:rPr lang="ko-KR" altLang="en-US" dirty="0" smtClean="0"/>
-              <a:t>게임</a:t>
-            </a:r>
-            <a:r>
-              <a:rPr lang="en-US" altLang="ko-KR" dirty="0" smtClean="0"/>
-              <a:t>(</a:t>
-            </a:r>
-            <a:r>
-              <a:rPr lang="ko-KR" altLang="en-US" dirty="0" smtClean="0"/>
-              <a:t>롤</a:t>
-            </a:r>
-            <a:r>
-              <a:rPr lang="en-US" altLang="ko-KR" dirty="0" smtClean="0"/>
-              <a:t>),</a:t>
-            </a:r>
-            <a:r>
-              <a:rPr lang="ko-KR" altLang="en-US" dirty="0" smtClean="0"/>
-              <a:t>스포츠</a:t>
-            </a:r>
-            <a:r>
-              <a:rPr lang="en-US" altLang="ko-KR" dirty="0" smtClean="0"/>
-              <a:t>(</a:t>
-            </a:r>
-            <a:r>
-              <a:rPr lang="ko-KR" altLang="en-US" dirty="0" smtClean="0"/>
-              <a:t>등등</a:t>
-            </a:r>
-            <a:r>
-              <a:rPr lang="en-US" altLang="ko-KR" dirty="0" smtClean="0"/>
-              <a:t>) , </a:t>
-            </a:r>
-            <a:r>
-              <a:rPr lang="ko-KR" altLang="en-US" dirty="0" smtClean="0"/>
-              <a:t>커뮤니티 </a:t>
-            </a:r>
-            <a:r>
-              <a:rPr lang="en-US" altLang="ko-KR" dirty="0" smtClean="0"/>
-              <a:t>, </a:t>
-            </a:r>
-            <a:r>
-              <a:rPr lang="ko-KR" altLang="en-US" dirty="0" err="1" smtClean="0"/>
-              <a:t>공지창</a:t>
-            </a:r>
-            <a:r>
-              <a:rPr lang="ko-KR" altLang="en-US" dirty="0" smtClean="0"/>
-              <a:t> </a:t>
-            </a:r>
-            <a:r>
-              <a:rPr lang="en-US" altLang="ko-KR" dirty="0" smtClean="0"/>
-              <a:t>, </a:t>
-            </a:r>
-            <a:r>
-              <a:rPr lang="ko-KR" altLang="en-US" dirty="0" smtClean="0"/>
-              <a:t>지역</a:t>
-            </a:r>
-            <a:r>
-              <a:rPr lang="en-US" altLang="ko-KR" dirty="0" smtClean="0"/>
-              <a:t> </a:t>
-            </a:r>
-            <a:endParaRPr lang="ko-KR" altLang="en-US" dirty="0"/>
-          </a:p>
-        </p:txBody>
-      </p:sp>
-      <p:sp>
-        <p:nvSpPr>
-          <p:cNvPr id="32" name="직사각형 31"/>
-          <p:cNvSpPr/>
-          <p:nvPr/>
-        </p:nvSpPr>
-        <p:spPr>
-          <a:xfrm>
-            <a:off x="2484853" y="2685645"/>
-            <a:ext cx="861372" cy="200213"/>
-          </a:xfrm>
-          <a:prstGeom prst="rect">
-            <a:avLst/>
-          </a:prstGeom>
-          <a:solidFill>
-            <a:schemeClr val="accent3"/>
-          </a:solidFill>
-          <a:ln>
-            <a:solidFill>
-              <a:schemeClr val="tx1"/>
-            </a:solidFill>
-          </a:ln>
-        </p:spPr>
-        <p:style>
-          <a:lnRef idx="2">
-            <a:schemeClr val="accent1">
-              <a:shade val="50000"/>
-            </a:schemeClr>
-          </a:lnRef>
-          <a:fillRef idx="1">
-            <a:schemeClr val="accent1"/>
-          </a:fillRef>
-          <a:effectRef idx="0">
-            <a:schemeClr val="accent1"/>
-          </a:effectRef>
-          <a:fontRef idx="minor">
-            <a:schemeClr val="lt1"/>
-          </a:fontRef>
-        </p:style>
-        <p:txBody>
-          <a:bodyPr rtlCol="0" anchor="ctr"/>
-          <a:lstStyle/>
-          <a:p>
-            <a:pPr algn="ctr"/>
-            <a:r>
-              <a:rPr lang="ko-KR" altLang="en-US" sz="1400" dirty="0" smtClean="0"/>
-              <a:t>선택</a:t>
-            </a:r>
-            <a:endParaRPr lang="ko-KR" altLang="en-US" sz="1400" dirty="0"/>
-          </a:p>
-        </p:txBody>
-      </p:sp>
-      <p:sp>
-        <p:nvSpPr>
-          <p:cNvPr id="33" name="직사각형 32"/>
-          <p:cNvSpPr/>
-          <p:nvPr/>
-        </p:nvSpPr>
-        <p:spPr>
-          <a:xfrm>
-            <a:off x="7919802" y="1534723"/>
-            <a:ext cx="1509485" cy="174171"/>
-          </a:xfrm>
-          <a:prstGeom prst="rect">
-            <a:avLst/>
-          </a:prstGeom>
-          <a:solidFill>
-            <a:schemeClr val="accent3"/>
-          </a:solidFill>
-          <a:ln>
-            <a:solidFill>
-              <a:schemeClr val="tx1"/>
-            </a:solidFill>
-          </a:ln>
-        </p:spPr>
-        <p:style>
-          <a:lnRef idx="2">
-            <a:schemeClr val="accent1">
-              <a:shade val="50000"/>
-            </a:schemeClr>
-          </a:lnRef>
-          <a:fillRef idx="1">
-            <a:schemeClr val="accent1"/>
-          </a:fillRef>
-          <a:effectRef idx="0">
-            <a:schemeClr val="accent1"/>
-          </a:effectRef>
-          <a:fontRef idx="minor">
-            <a:schemeClr val="lt1"/>
-          </a:fontRef>
-        </p:style>
-        <p:txBody>
-          <a:bodyPr rtlCol="0" anchor="ctr"/>
-          <a:lstStyle/>
-          <a:p>
-            <a:pPr algn="ctr"/>
-            <a:r>
-              <a:rPr lang="ko-KR" altLang="en-US" dirty="0" err="1" smtClean="0"/>
-              <a:t>사이트이름</a:t>
-            </a:r>
-            <a:endParaRPr lang="ko-KR" altLang="en-US" dirty="0"/>
           </a:p>
         </p:txBody>
       </p:sp>
@@ -7838,13 +7979,13 @@
       </p:sp>
       <p:sp>
         <p:nvSpPr>
-          <p:cNvPr id="21" name="직사각형 20"/>
-          <p:cNvSpPr/>
-          <p:nvPr/>
-        </p:nvSpPr>
-        <p:spPr>
-          <a:xfrm>
-            <a:off x="8645517" y="1565791"/>
+          <p:cNvPr id="22" name="직사각형 21"/>
+          <p:cNvSpPr/>
+          <p:nvPr/>
+        </p:nvSpPr>
+        <p:spPr>
+          <a:xfrm>
+            <a:off x="8679984" y="1609615"/>
             <a:ext cx="1509485" cy="174171"/>
           </a:xfrm>
           <a:prstGeom prst="rect">
@@ -7881,10 +8022,80 @@
           <a:p>
             <a:pPr algn="ctr"/>
             <a:r>
-              <a:rPr lang="ko-KR" altLang="en-US" dirty="0" err="1" smtClean="0"/>
-              <a:t>사이트이름</a:t>
-            </a:r>
-            <a:endParaRPr lang="ko-KR" altLang="en-US" dirty="0"/>
+              <a:rPr lang="ko-KR" altLang="en-US" sz="900" dirty="0" err="1" smtClean="0"/>
+              <a:t>사이트명</a:t>
+            </a:r>
+            <a:r>
+              <a:rPr lang="en-US" altLang="ko-KR" sz="900" dirty="0" smtClean="0"/>
+              <a:t>(home </a:t>
+            </a:r>
+            <a:r>
+              <a:rPr lang="en-US" altLang="ko-KR" sz="900" dirty="0" err="1" smtClean="0"/>
+              <a:t>butoon</a:t>
+            </a:r>
+            <a:r>
+              <a:rPr lang="en-US" altLang="ko-KR" sz="900" dirty="0" smtClean="0"/>
+              <a:t>)</a:t>
+            </a:r>
+            <a:endParaRPr lang="ko-KR" altLang="en-US" sz="900" dirty="0"/>
+          </a:p>
+        </p:txBody>
+      </p:sp>
+      <p:sp>
+        <p:nvSpPr>
+          <p:cNvPr id="23" name="직사각형 22"/>
+          <p:cNvSpPr/>
+          <p:nvPr/>
+        </p:nvSpPr>
+        <p:spPr>
+          <a:xfrm>
+            <a:off x="8031592" y="4862945"/>
+            <a:ext cx="580393" cy="324098"/>
+          </a:xfrm>
+          <a:prstGeom prst="rect">
+            <a:avLst/>
+          </a:prstGeom>
+          <a:noFill/>
+          <a:ln>
+            <a:solidFill>
+              <a:schemeClr val="tx1"/>
+            </a:solidFill>
+          </a:ln>
+        </p:spPr>
+        <p:style>
+          <a:lnRef idx="2">
+            <a:schemeClr val="accent1">
+              <a:shade val="50000"/>
+            </a:schemeClr>
+          </a:lnRef>
+          <a:fillRef idx="1">
+            <a:schemeClr val="accent1"/>
+          </a:fillRef>
+          <a:effectRef idx="0">
+            <a:schemeClr val="accent1"/>
+          </a:effectRef>
+          <a:fontRef idx="minor">
+            <a:schemeClr val="lt1"/>
+          </a:fontRef>
+        </p:style>
+        <p:txBody>
+          <a:bodyPr rtlCol="0" anchor="ctr"/>
+          <a:lstStyle/>
+          <a:p>
+            <a:pPr algn="ctr"/>
+            <a:r>
+              <a:rPr lang="en-US" altLang="ko-KR" sz="1050" dirty="0" smtClean="0">
+                <a:solidFill>
+                  <a:schemeClr val="tx1"/>
+                </a:solidFill>
+              </a:rPr>
+              <a:t>Sign up</a:t>
+            </a:r>
+            <a:endParaRPr lang="ko-KR" altLang="en-US" sz="1050" dirty="0">
+              <a:solidFill>
+                <a:schemeClr val="tx1"/>
+              </a:solidFill>
+            </a:endParaRPr>
           </a:p>
         </p:txBody>
       </p:sp>
@@ -7933,58 +8144,46 @@
             <a:avLst/>
           </a:prstGeom>
           <a:noFill/>
-        </p:spPr>
-        <p:style>
-          <a:lnRef idx="2">
-            <a:schemeClr val="accent1">
-              <a:shade val="50000"/>
-            </a:schemeClr>
-          </a:lnRef>
-          <a:fillRef idx="1">
-            <a:schemeClr val="accent1"/>
-          </a:fillRef>
-          <a:effectRef idx="0">
-            <a:schemeClr val="accent1"/>
-          </a:effectRef>
-          <a:fontRef idx="minor">
-            <a:schemeClr val="lt1"/>
-          </a:fontRef>
-        </p:style>
-        <p:txBody>
-          <a:bodyPr rtlCol="0" anchor="ctr"/>
-          <a:lstStyle/>
-          <a:p>
-            <a:pPr algn="ctr"/>
-            <a:endParaRPr lang="ko-KR" altLang="en-US"/>
-          </a:p>
-        </p:txBody>
-      </p:sp>
-      <p:sp>
-        <p:nvSpPr>
-          <p:cNvPr id="5" name="TextBox 4"/>
-          <p:cNvSpPr txBox="1"/>
-          <p:nvPr/>
-        </p:nvSpPr>
-        <p:spPr>
-          <a:xfrm>
-            <a:off x="5542447" y="1224341"/>
-            <a:ext cx="750526" cy="369332"/>
-          </a:xfrm>
-          <a:prstGeom prst="rect">
-            <a:avLst/>
-          </a:prstGeom>
-          <a:noFill/>
-        </p:spPr>
-        <p:txBody>
-          <a:bodyPr wrap="none" rtlCol="0">
-            <a:spAutoFit/>
-          </a:bodyPr>
-          <a:lstStyle/>
-          <a:p>
-            <a:r>
-              <a:rPr lang="en-US" altLang="ko-KR" dirty="0" smtClean="0"/>
+          <a:ln>
+            <a:solidFill>
+              <a:schemeClr val="tx1"/>
+            </a:solidFill>
+          </a:ln>
+        </p:spPr>
+        <p:style>
+          <a:lnRef idx="2">
+            <a:schemeClr val="accent1">
+              <a:shade val="50000"/>
+            </a:schemeClr>
+          </a:lnRef>
+          <a:fillRef idx="1">
+            <a:schemeClr val="accent1"/>
+          </a:fillRef>
+          <a:effectRef idx="0">
+            <a:schemeClr val="accent1"/>
+          </a:effectRef>
+          <a:fontRef idx="minor">
+            <a:schemeClr val="lt1"/>
+          </a:fontRef>
+        </p:style>
+        <p:txBody>
+          <a:bodyPr rtlCol="0" anchor="ctr"/>
+          <a:lstStyle/>
+          <a:p>
+            <a:pPr algn="ctr"/>
+            <a:r>
+              <a:rPr lang="en-US" altLang="ko-KR" dirty="0" smtClean="0">
+                <a:solidFill>
+                  <a:schemeClr val="tx1"/>
+                </a:solidFill>
+              </a:rPr>
               <a:t>Index</a:t>
             </a:r>
+            <a:endParaRPr lang="ko-KR" altLang="en-US" dirty="0">
+              <a:solidFill>
+                <a:schemeClr val="tx1"/>
+              </a:solidFill>
+            </a:endParaRPr>
           </a:p>
         </p:txBody>
       </p:sp>
@@ -8003,59 +8202,46 @@
             <a:avLst/>
           </a:prstGeom>
           <a:noFill/>
-        </p:spPr>
-        <p:style>
-          <a:lnRef idx="2">
-            <a:schemeClr val="accent1">
-              <a:shade val="50000"/>
-            </a:schemeClr>
-          </a:lnRef>
-          <a:fillRef idx="1">
-            <a:schemeClr val="accent1"/>
-          </a:fillRef>
-          <a:effectRef idx="0">
-            <a:schemeClr val="accent1"/>
-          </a:effectRef>
-          <a:fontRef idx="minor">
-            <a:schemeClr val="lt1"/>
-          </a:fontRef>
-        </p:style>
-        <p:txBody>
-          <a:bodyPr rtlCol="0" anchor="ctr"/>
-          <a:lstStyle/>
-          <a:p>
-            <a:pPr algn="ctr"/>
-            <a:endParaRPr lang="ko-KR" altLang="en-US"/>
-          </a:p>
-        </p:txBody>
-      </p:sp>
-      <p:sp>
-        <p:nvSpPr>
-          <p:cNvPr id="17" name="TextBox 16"/>
-          <p:cNvSpPr txBox="1"/>
-          <p:nvPr/>
-        </p:nvSpPr>
-        <p:spPr>
-          <a:xfrm>
-            <a:off x="2619147" y="3404182"/>
-            <a:ext cx="1086535" cy="246221"/>
-          </a:xfrm>
-          <a:prstGeom prst="rect">
-            <a:avLst/>
-          </a:prstGeom>
-          <a:noFill/>
-        </p:spPr>
-        <p:txBody>
-          <a:bodyPr wrap="square" rtlCol="0">
-            <a:spAutoFit/>
-          </a:bodyPr>
-          <a:lstStyle/>
-          <a:p>
-            <a:r>
-              <a:rPr lang="en-US" altLang="ko-KR" sz="1000" dirty="0" smtClean="0"/>
-              <a:t>Search result</a:t>
-            </a:r>
-            <a:endParaRPr lang="ko-KR" altLang="en-US" sz="1000" dirty="0"/>
+          <a:ln>
+            <a:solidFill>
+              <a:schemeClr val="tx1"/>
+            </a:solidFill>
+          </a:ln>
+        </p:spPr>
+        <p:style>
+          <a:lnRef idx="2">
+            <a:schemeClr val="accent1">
+              <a:shade val="50000"/>
+            </a:schemeClr>
+          </a:lnRef>
+          <a:fillRef idx="1">
+            <a:schemeClr val="accent1"/>
+          </a:fillRef>
+          <a:effectRef idx="0">
+            <a:schemeClr val="accent1"/>
+          </a:effectRef>
+          <a:fontRef idx="minor">
+            <a:schemeClr val="lt1"/>
+          </a:fontRef>
+        </p:style>
+        <p:txBody>
+          <a:bodyPr rtlCol="0" anchor="ctr"/>
+          <a:lstStyle/>
+          <a:p>
+            <a:pPr algn="ctr"/>
+            <a:r>
+              <a:rPr lang="ko-KR" altLang="en-US" sz="1050" dirty="0" smtClean="0">
+                <a:solidFill>
+                  <a:schemeClr val="tx1"/>
+                </a:solidFill>
+              </a:rPr>
+              <a:t>검색결과</a:t>
+            </a:r>
+            <a:endParaRPr lang="ko-KR" altLang="en-US" sz="1050" dirty="0">
+              <a:solidFill>
+                <a:schemeClr val="tx1"/>
+              </a:solidFill>
+            </a:endParaRPr>
           </a:p>
         </p:txBody>
       </p:sp>
@@ -8077,6 +8263,9 @@
             <a:avLst/>
           </a:prstGeom>
           <a:ln>
+            <a:solidFill>
+              <a:schemeClr val="tx1"/>
+            </a:solidFill>
             <a:tailEnd type="triangle"/>
           </a:ln>
         </p:spPr>
@@ -8103,74 +8292,69 @@
         </p:nvSpPr>
         <p:spPr>
           <a:xfrm>
-            <a:off x="4413062" y="2978579"/>
+            <a:off x="4720606" y="3012089"/>
             <a:ext cx="1089504" cy="1097428"/>
           </a:xfrm>
           <a:prstGeom prst="ellipse">
             <a:avLst/>
           </a:prstGeom>
           <a:noFill/>
-        </p:spPr>
-        <p:style>
-          <a:lnRef idx="2">
-            <a:schemeClr val="accent1">
-              <a:shade val="50000"/>
-            </a:schemeClr>
-          </a:lnRef>
-          <a:fillRef idx="1">
-            <a:schemeClr val="accent1"/>
-          </a:fillRef>
-          <a:effectRef idx="0">
-            <a:schemeClr val="accent1"/>
-          </a:effectRef>
-          <a:fontRef idx="minor">
-            <a:schemeClr val="lt1"/>
-          </a:fontRef>
-        </p:style>
-        <p:txBody>
-          <a:bodyPr rtlCol="0" anchor="ctr"/>
-          <a:lstStyle/>
-          <a:p>
-            <a:pPr algn="ctr"/>
-            <a:endParaRPr lang="ko-KR" altLang="en-US"/>
-          </a:p>
-        </p:txBody>
-      </p:sp>
-      <p:sp>
-        <p:nvSpPr>
-          <p:cNvPr id="21" name="TextBox 20"/>
-          <p:cNvSpPr txBox="1"/>
-          <p:nvPr/>
-        </p:nvSpPr>
-        <p:spPr>
-          <a:xfrm>
-            <a:off x="4611764" y="3404182"/>
-            <a:ext cx="692099" cy="400110"/>
-          </a:xfrm>
-          <a:prstGeom prst="rect">
-            <a:avLst/>
-          </a:prstGeom>
-          <a:noFill/>
-        </p:spPr>
-        <p:txBody>
-          <a:bodyPr wrap="square" rtlCol="0">
-            <a:spAutoFit/>
-          </a:bodyPr>
-          <a:lstStyle/>
-          <a:p>
-            <a:r>
-              <a:rPr lang="ko-KR" altLang="en-US" sz="1000" dirty="0" smtClean="0"/>
+          <a:ln>
+            <a:solidFill>
+              <a:schemeClr val="tx1"/>
+            </a:solidFill>
+          </a:ln>
+        </p:spPr>
+        <p:style>
+          <a:lnRef idx="2">
+            <a:schemeClr val="accent1">
+              <a:shade val="50000"/>
+            </a:schemeClr>
+          </a:lnRef>
+          <a:fillRef idx="1">
+            <a:schemeClr val="accent1"/>
+          </a:fillRef>
+          <a:effectRef idx="0">
+            <a:schemeClr val="accent1"/>
+          </a:effectRef>
+          <a:fontRef idx="minor">
+            <a:schemeClr val="lt1"/>
+          </a:fontRef>
+        </p:style>
+        <p:txBody>
+          <a:bodyPr rtlCol="0" anchor="ctr"/>
+          <a:lstStyle/>
+          <a:p>
+            <a:pPr algn="ctr"/>
+            <a:r>
+              <a:rPr lang="ko-KR" altLang="en-US" sz="1200" dirty="0" smtClean="0">
+                <a:solidFill>
+                  <a:schemeClr val="tx1"/>
+                </a:solidFill>
+              </a:rPr>
               <a:t>로그인</a:t>
             </a:r>
             <a:r>
-              <a:rPr lang="en-US" altLang="ko-KR" sz="1000" dirty="0" smtClean="0"/>
+              <a:rPr lang="en-US" altLang="ko-KR" sz="1200" dirty="0" smtClean="0">
+                <a:solidFill>
+                  <a:schemeClr val="tx1"/>
+                </a:solidFill>
+              </a:rPr>
               <a:t>/</a:t>
             </a:r>
             <a:r>
-              <a:rPr lang="ko-KR" altLang="en-US" sz="1000" dirty="0" err="1" smtClean="0"/>
-              <a:t>내정보</a:t>
-            </a:r>
-            <a:endParaRPr lang="ko-KR" altLang="en-US" sz="1000" dirty="0"/>
+              <a:rPr lang="ko-KR" altLang="en-US" sz="1200" dirty="0" smtClean="0">
+                <a:solidFill>
+                  <a:schemeClr val="tx1"/>
+                </a:solidFill>
+              </a:rPr>
+              <a:t>내 정보</a:t>
+            </a:r>
+            <a:endParaRPr lang="ko-KR" altLang="en-US" sz="1200" dirty="0">
+              <a:solidFill>
+                <a:schemeClr val="tx1"/>
+              </a:solidFill>
+            </a:endParaRPr>
           </a:p>
         </p:txBody>
       </p:sp>
@@ -8189,59 +8373,46 @@
             <a:avLst/>
           </a:prstGeom>
           <a:noFill/>
-        </p:spPr>
-        <p:style>
-          <a:lnRef idx="2">
-            <a:schemeClr val="accent1">
-              <a:shade val="50000"/>
-            </a:schemeClr>
-          </a:lnRef>
-          <a:fillRef idx="1">
-            <a:schemeClr val="accent1"/>
-          </a:fillRef>
-          <a:effectRef idx="0">
-            <a:schemeClr val="accent1"/>
-          </a:effectRef>
-          <a:fontRef idx="minor">
-            <a:schemeClr val="lt1"/>
-          </a:fontRef>
-        </p:style>
-        <p:txBody>
-          <a:bodyPr rtlCol="0" anchor="ctr"/>
-          <a:lstStyle/>
-          <a:p>
-            <a:pPr algn="ctr"/>
-            <a:endParaRPr lang="ko-KR" altLang="en-US"/>
-          </a:p>
-        </p:txBody>
-      </p:sp>
-      <p:sp>
-        <p:nvSpPr>
-          <p:cNvPr id="23" name="TextBox 22"/>
-          <p:cNvSpPr txBox="1"/>
-          <p:nvPr/>
-        </p:nvSpPr>
-        <p:spPr>
-          <a:xfrm>
-            <a:off x="8316490" y="3404182"/>
-            <a:ext cx="692099" cy="246221"/>
-          </a:xfrm>
-          <a:prstGeom prst="rect">
-            <a:avLst/>
-          </a:prstGeom>
-          <a:noFill/>
-        </p:spPr>
-        <p:txBody>
-          <a:bodyPr wrap="square" rtlCol="0">
-            <a:spAutoFit/>
-          </a:bodyPr>
-          <a:lstStyle/>
-          <a:p>
-            <a:r>
-              <a:rPr lang="ko-KR" altLang="en-US" sz="1000" dirty="0" smtClean="0"/>
+          <a:ln>
+            <a:solidFill>
+              <a:schemeClr val="tx1"/>
+            </a:solidFill>
+          </a:ln>
+        </p:spPr>
+        <p:style>
+          <a:lnRef idx="2">
+            <a:schemeClr val="accent1">
+              <a:shade val="50000"/>
+            </a:schemeClr>
+          </a:lnRef>
+          <a:fillRef idx="1">
+            <a:schemeClr val="accent1"/>
+          </a:fillRef>
+          <a:effectRef idx="0">
+            <a:schemeClr val="accent1"/>
+          </a:effectRef>
+          <a:fontRef idx="minor">
+            <a:schemeClr val="lt1"/>
+          </a:fontRef>
+        </p:style>
+        <p:txBody>
+          <a:bodyPr rtlCol="0" anchor="ctr"/>
+          <a:lstStyle/>
+          <a:p>
+            <a:pPr algn="ctr"/>
+            <a:r>
+              <a:rPr lang="ko-KR" altLang="en-US" sz="1100" dirty="0" smtClean="0">
+                <a:solidFill>
+                  <a:schemeClr val="tx1"/>
+                </a:solidFill>
+              </a:rPr>
               <a:t>커뮤니티</a:t>
             </a:r>
-            <a:endParaRPr lang="ko-KR" altLang="en-US" sz="1000" dirty="0"/>
+            <a:endParaRPr lang="ko-KR" altLang="en-US" sz="1100" dirty="0">
+              <a:solidFill>
+                <a:schemeClr val="tx1"/>
+              </a:solidFill>
+            </a:endParaRPr>
           </a:p>
         </p:txBody>
       </p:sp>
@@ -8249,20 +8420,23 @@
         <p:nvCxnSpPr>
           <p:cNvPr id="25" name="직선 화살표 연결선 24"/>
           <p:cNvCxnSpPr>
-            <a:stCxn id="4" idx="4"/>
+            <a:stCxn id="4" idx="3"/>
             <a:endCxn id="20" idx="0"/>
           </p:cNvCxnSpPr>
           <p:nvPr/>
         </p:nvCxnSpPr>
         <p:spPr>
-          <a:xfrm flipH="1">
-            <a:off x="4957814" y="2252749"/>
-            <a:ext cx="956691" cy="725830"/>
+          <a:xfrm>
+            <a:off x="5223841" y="2005623"/>
+            <a:ext cx="41517" cy="1006466"/>
           </a:xfrm>
           <a:prstGeom prst="straightConnector1">
             <a:avLst/>
           </a:prstGeom>
           <a:ln>
+            <a:solidFill>
+              <a:schemeClr val="tx1"/>
+            </a:solidFill>
             <a:tailEnd type="triangle"/>
           </a:ln>
         </p:spPr>
@@ -8299,6 +8473,9 @@
             <a:avLst/>
           </a:prstGeom>
           <a:ln>
+            <a:solidFill>
+              <a:schemeClr val="tx1"/>
+            </a:solidFill>
             <a:tailEnd type="triangle"/>
           </a:ln>
         </p:spPr>
@@ -8325,70 +8502,61 @@
         </p:nvSpPr>
         <p:spPr>
           <a:xfrm>
-            <a:off x="1670958" y="4418936"/>
-            <a:ext cx="1089504" cy="1097428"/>
+            <a:off x="1687278" y="4918911"/>
+            <a:ext cx="1089504" cy="1084397"/>
           </a:xfrm>
           <a:prstGeom prst="ellipse">
             <a:avLst/>
           </a:prstGeom>
           <a:noFill/>
-        </p:spPr>
-        <p:style>
-          <a:lnRef idx="2">
-            <a:schemeClr val="accent1">
-              <a:shade val="50000"/>
-            </a:schemeClr>
-          </a:lnRef>
-          <a:fillRef idx="1">
-            <a:schemeClr val="accent1"/>
-          </a:fillRef>
-          <a:effectRef idx="0">
-            <a:schemeClr val="accent1"/>
-          </a:effectRef>
-          <a:fontRef idx="minor">
-            <a:schemeClr val="lt1"/>
-          </a:fontRef>
-        </p:style>
-        <p:txBody>
-          <a:bodyPr rtlCol="0" anchor="ctr"/>
-          <a:lstStyle/>
-          <a:p>
-            <a:pPr algn="ctr"/>
-            <a:endParaRPr lang="ko-KR" altLang="en-US"/>
-          </a:p>
-        </p:txBody>
-      </p:sp>
-      <p:sp>
-        <p:nvSpPr>
-          <p:cNvPr id="29" name="TextBox 28"/>
-          <p:cNvSpPr txBox="1"/>
-          <p:nvPr/>
-        </p:nvSpPr>
-        <p:spPr>
-          <a:xfrm>
-            <a:off x="1737998" y="4844539"/>
-            <a:ext cx="1086535" cy="246221"/>
-          </a:xfrm>
-          <a:prstGeom prst="rect">
-            <a:avLst/>
-          </a:prstGeom>
-          <a:noFill/>
-        </p:spPr>
-        <p:txBody>
-          <a:bodyPr wrap="square" rtlCol="0">
-            <a:spAutoFit/>
-          </a:bodyPr>
-          <a:lstStyle/>
-          <a:p>
-            <a:r>
-              <a:rPr lang="ko-KR" altLang="en-US" sz="1000" dirty="0" err="1" smtClean="0"/>
+          <a:ln>
+            <a:solidFill>
+              <a:schemeClr val="tx1"/>
+            </a:solidFill>
+          </a:ln>
+        </p:spPr>
+        <p:style>
+          <a:lnRef idx="2">
+            <a:schemeClr val="accent1">
+              <a:shade val="50000"/>
+            </a:schemeClr>
+          </a:lnRef>
+          <a:fillRef idx="1">
+            <a:schemeClr val="accent1"/>
+          </a:fillRef>
+          <a:effectRef idx="0">
+            <a:schemeClr val="accent1"/>
+          </a:effectRef>
+          <a:fontRef idx="minor">
+            <a:schemeClr val="lt1"/>
+          </a:fontRef>
+        </p:style>
+        <p:txBody>
+          <a:bodyPr rtlCol="0" anchor="ctr"/>
+          <a:lstStyle/>
+          <a:p>
+            <a:pPr algn="ctr"/>
+            <a:r>
+              <a:rPr lang="ko-KR" altLang="en-US" sz="800" dirty="0" err="1" smtClean="0">
+                <a:solidFill>
+                  <a:schemeClr val="tx1"/>
+                </a:solidFill>
+              </a:rPr>
               <a:t>검색어</a:t>
             </a:r>
             <a:r>
-              <a:rPr lang="ko-KR" altLang="en-US" sz="1000" dirty="0" smtClean="0"/>
+              <a:rPr lang="ko-KR" altLang="en-US" sz="800" dirty="0" smtClean="0">
+                <a:solidFill>
+                  <a:schemeClr val="tx1"/>
+                </a:solidFill>
+              </a:rPr>
               <a:t> 설명</a:t>
             </a:r>
-            <a:endParaRPr lang="ko-KR" altLang="en-US" sz="1000" dirty="0"/>
+            <a:endParaRPr lang="ko-KR" altLang="en-US" sz="800" dirty="0">
+              <a:solidFill>
+                <a:schemeClr val="tx1"/>
+              </a:solidFill>
+            </a:endParaRPr>
           </a:p>
         </p:txBody>
       </p:sp>
@@ -8396,20 +8564,23 @@
         <p:nvCxnSpPr>
           <p:cNvPr id="31" name="직선 화살표 연결선 30"/>
           <p:cNvCxnSpPr>
-            <a:stCxn id="16" idx="4"/>
+            <a:stCxn id="16" idx="3"/>
             <a:endCxn id="28" idx="0"/>
           </p:cNvCxnSpPr>
           <p:nvPr/>
         </p:nvCxnSpPr>
         <p:spPr>
           <a:xfrm flipH="1">
-            <a:off x="2215710" y="4076007"/>
-            <a:ext cx="881149" cy="342929"/>
+            <a:off x="2232030" y="3915292"/>
+            <a:ext cx="479631" cy="1003619"/>
           </a:xfrm>
           <a:prstGeom prst="straightConnector1">
             <a:avLst/>
           </a:prstGeom>
           <a:ln>
+            <a:solidFill>
+              <a:schemeClr val="tx1"/>
+            </a:solidFill>
             <a:tailEnd type="triangle"/>
           </a:ln>
         </p:spPr>
@@ -8436,145 +8607,111 @@
         </p:nvSpPr>
         <p:spPr>
           <a:xfrm>
-            <a:off x="3295561" y="4388605"/>
+            <a:off x="3512948" y="4918911"/>
             <a:ext cx="1089504" cy="1097428"/>
           </a:xfrm>
           <a:prstGeom prst="ellipse">
             <a:avLst/>
           </a:prstGeom>
           <a:noFill/>
-        </p:spPr>
-        <p:style>
-          <a:lnRef idx="2">
-            <a:schemeClr val="accent1">
-              <a:shade val="50000"/>
-            </a:schemeClr>
-          </a:lnRef>
-          <a:fillRef idx="1">
-            <a:schemeClr val="accent1"/>
-          </a:fillRef>
-          <a:effectRef idx="0">
-            <a:schemeClr val="accent1"/>
-          </a:effectRef>
-          <a:fontRef idx="minor">
-            <a:schemeClr val="lt1"/>
-          </a:fontRef>
-        </p:style>
-        <p:txBody>
-          <a:bodyPr rtlCol="0" anchor="ctr"/>
-          <a:lstStyle/>
-          <a:p>
-            <a:pPr algn="ctr"/>
-            <a:endParaRPr lang="ko-KR" altLang="en-US"/>
-          </a:p>
-        </p:txBody>
-      </p:sp>
-      <p:sp>
-        <p:nvSpPr>
-          <p:cNvPr id="33" name="TextBox 32"/>
-          <p:cNvSpPr txBox="1"/>
-          <p:nvPr/>
-        </p:nvSpPr>
-        <p:spPr>
-          <a:xfrm>
-            <a:off x="3494263" y="4814208"/>
-            <a:ext cx="692099" cy="246221"/>
-          </a:xfrm>
-          <a:prstGeom prst="rect">
+          <a:ln>
+            <a:solidFill>
+              <a:schemeClr val="tx1"/>
+            </a:solidFill>
+          </a:ln>
+        </p:spPr>
+        <p:style>
+          <a:lnRef idx="2">
+            <a:schemeClr val="accent1">
+              <a:shade val="50000"/>
+            </a:schemeClr>
+          </a:lnRef>
+          <a:fillRef idx="1">
+            <a:schemeClr val="accent1"/>
+          </a:fillRef>
+          <a:effectRef idx="0">
+            <a:schemeClr val="accent1"/>
+          </a:effectRef>
+          <a:fontRef idx="minor">
+            <a:schemeClr val="lt1"/>
+          </a:fontRef>
+        </p:style>
+        <p:txBody>
+          <a:bodyPr rtlCol="0" anchor="ctr"/>
+          <a:lstStyle/>
+          <a:p>
+            <a:pPr algn="ctr"/>
+            <a:r>
+              <a:rPr lang="ko-KR" altLang="en-US" sz="1100" dirty="0" smtClean="0">
+                <a:solidFill>
+                  <a:schemeClr val="tx1"/>
+                </a:solidFill>
+              </a:rPr>
+              <a:t>회원가입</a:t>
+            </a:r>
+            <a:endParaRPr lang="ko-KR" altLang="en-US" sz="1100" dirty="0">
+              <a:solidFill>
+                <a:schemeClr val="tx1"/>
+              </a:solidFill>
+            </a:endParaRPr>
+          </a:p>
+        </p:txBody>
+      </p:sp>
+      <p:sp>
+        <p:nvSpPr>
+          <p:cNvPr id="35" name="타원 34"/>
+          <p:cNvSpPr/>
+          <p:nvPr/>
+        </p:nvSpPr>
+        <p:spPr>
+          <a:xfrm>
+            <a:off x="4778374" y="4910077"/>
+            <a:ext cx="1089504" cy="1097428"/>
+          </a:xfrm>
+          <a:prstGeom prst="ellipse">
             <a:avLst/>
           </a:prstGeom>
           <a:noFill/>
-        </p:spPr>
-        <p:txBody>
-          <a:bodyPr wrap="square" rtlCol="0">
-            <a:spAutoFit/>
-          </a:bodyPr>
-          <a:lstStyle/>
-          <a:p>
-            <a:r>
-              <a:rPr lang="ko-KR" altLang="en-US" sz="1000" dirty="0" smtClean="0"/>
-              <a:t>회원가입</a:t>
-            </a:r>
-            <a:endParaRPr lang="ko-KR" altLang="en-US" sz="1000" dirty="0"/>
-          </a:p>
-        </p:txBody>
-      </p:sp>
-      <p:sp>
-        <p:nvSpPr>
-          <p:cNvPr id="35" name="타원 34"/>
-          <p:cNvSpPr/>
-          <p:nvPr/>
-        </p:nvSpPr>
-        <p:spPr>
-          <a:xfrm>
-            <a:off x="4583767" y="4418936"/>
-            <a:ext cx="1089504" cy="1097428"/>
-          </a:xfrm>
-          <a:prstGeom prst="ellipse">
-            <a:avLst/>
-          </a:prstGeom>
-          <a:noFill/>
-        </p:spPr>
-        <p:style>
-          <a:lnRef idx="2">
-            <a:schemeClr val="accent1">
-              <a:shade val="50000"/>
-            </a:schemeClr>
-          </a:lnRef>
-          <a:fillRef idx="1">
-            <a:schemeClr val="accent1"/>
-          </a:fillRef>
-          <a:effectRef idx="0">
-            <a:schemeClr val="accent1"/>
-          </a:effectRef>
-          <a:fontRef idx="minor">
-            <a:schemeClr val="lt1"/>
-          </a:fontRef>
-        </p:style>
-        <p:txBody>
-          <a:bodyPr rtlCol="0" anchor="ctr"/>
-          <a:lstStyle/>
-          <a:p>
-            <a:pPr algn="ctr"/>
-            <a:endParaRPr lang="ko-KR" altLang="en-US"/>
-          </a:p>
-        </p:txBody>
-      </p:sp>
-      <p:sp>
-        <p:nvSpPr>
-          <p:cNvPr id="36" name="TextBox 35"/>
-          <p:cNvSpPr txBox="1"/>
-          <p:nvPr/>
-        </p:nvSpPr>
-        <p:spPr>
-          <a:xfrm>
-            <a:off x="4737355" y="4795801"/>
-            <a:ext cx="782327" cy="400110"/>
-          </a:xfrm>
-          <a:prstGeom prst="rect">
-            <a:avLst/>
-          </a:prstGeom>
-          <a:noFill/>
-        </p:spPr>
-        <p:txBody>
-          <a:bodyPr wrap="square" rtlCol="0">
-            <a:spAutoFit/>
-          </a:bodyPr>
-          <a:lstStyle/>
-          <a:p>
-            <a:r>
-              <a:rPr lang="ko-KR" altLang="en-US" sz="1000" smtClean="0"/>
-              <a:t>아이디</a:t>
-            </a:r>
-            <a:r>
-              <a:rPr lang="en-US" altLang="ko-KR" sz="1000" dirty="0" smtClean="0"/>
-              <a:t>/</a:t>
-            </a:r>
-            <a:r>
-              <a:rPr lang="ko-KR" altLang="en-US" sz="1000" dirty="0" smtClean="0"/>
-              <a:t>비번 찾기</a:t>
-            </a:r>
-            <a:endParaRPr lang="ko-KR" altLang="en-US" sz="1000" dirty="0"/>
+          <a:ln>
+            <a:solidFill>
+              <a:schemeClr val="tx1"/>
+            </a:solidFill>
+          </a:ln>
+        </p:spPr>
+        <p:style>
+          <a:lnRef idx="2">
+            <a:schemeClr val="accent1">
+              <a:shade val="50000"/>
+            </a:schemeClr>
+          </a:lnRef>
+          <a:fillRef idx="1">
+            <a:schemeClr val="accent1"/>
+          </a:fillRef>
+          <a:effectRef idx="0">
+            <a:schemeClr val="accent1"/>
+          </a:effectRef>
+          <a:fontRef idx="minor">
+            <a:schemeClr val="lt1"/>
+          </a:fontRef>
+        </p:style>
+        <p:txBody>
+          <a:bodyPr rtlCol="0" anchor="ctr"/>
+          <a:lstStyle/>
+          <a:p>
+            <a:pPr algn="ctr"/>
+            <a:r>
+              <a:rPr lang="ko-KR" altLang="en-US" sz="1100" dirty="0" smtClean="0">
+                <a:solidFill>
+                  <a:schemeClr val="tx1"/>
+                </a:solidFill>
+              </a:rPr>
+              <a:t>아이디 비밀번호 찾기</a:t>
+            </a:r>
+            <a:endParaRPr lang="ko-KR" altLang="en-US" sz="1100" dirty="0">
+              <a:solidFill>
+                <a:schemeClr val="tx1"/>
+              </a:solidFill>
+            </a:endParaRPr>
           </a:p>
         </p:txBody>
       </p:sp>
@@ -8582,20 +8719,23 @@
         <p:nvCxnSpPr>
           <p:cNvPr id="38" name="직선 화살표 연결선 37"/>
           <p:cNvCxnSpPr>
-            <a:stCxn id="20" idx="4"/>
+            <a:stCxn id="20" idx="3"/>
             <a:endCxn id="32" idx="0"/>
           </p:cNvCxnSpPr>
           <p:nvPr/>
         </p:nvCxnSpPr>
         <p:spPr>
           <a:xfrm flipH="1">
-            <a:off x="3840313" y="4076007"/>
-            <a:ext cx="1117501" cy="312598"/>
+            <a:off x="4057700" y="3948802"/>
+            <a:ext cx="822460" cy="970109"/>
           </a:xfrm>
           <a:prstGeom prst="straightConnector1">
             <a:avLst/>
           </a:prstGeom>
           <a:ln>
+            <a:solidFill>
+              <a:schemeClr val="tx1"/>
+            </a:solidFill>
             <a:tailEnd type="triangle"/>
           </a:ln>
         </p:spPr>
@@ -8625,13 +8765,16 @@
         </p:nvCxnSpPr>
         <p:spPr>
           <a:xfrm>
-            <a:off x="4957814" y="4076007"/>
-            <a:ext cx="170705" cy="342929"/>
+            <a:off x="5265358" y="4109517"/>
+            <a:ext cx="57768" cy="800560"/>
           </a:xfrm>
           <a:prstGeom prst="straightConnector1">
             <a:avLst/>
           </a:prstGeom>
           <a:ln>
+            <a:solidFill>
+              <a:schemeClr val="tx1"/>
+            </a:solidFill>
             <a:tailEnd type="triangle"/>
           </a:ln>
         </p:spPr>
@@ -8658,66 +8801,53 @@
         </p:nvSpPr>
         <p:spPr>
           <a:xfrm>
-            <a:off x="7419519" y="4418936"/>
+            <a:off x="7496090" y="4844539"/>
             <a:ext cx="1089504" cy="1097428"/>
           </a:xfrm>
           <a:prstGeom prst="ellipse">
             <a:avLst/>
           </a:prstGeom>
           <a:noFill/>
-        </p:spPr>
-        <p:style>
-          <a:lnRef idx="2">
-            <a:schemeClr val="accent1">
-              <a:shade val="50000"/>
-            </a:schemeClr>
-          </a:lnRef>
-          <a:fillRef idx="1">
-            <a:schemeClr val="accent1"/>
-          </a:fillRef>
-          <a:effectRef idx="0">
-            <a:schemeClr val="accent1"/>
-          </a:effectRef>
-          <a:fontRef idx="minor">
-            <a:schemeClr val="lt1"/>
-          </a:fontRef>
-        </p:style>
-        <p:txBody>
-          <a:bodyPr rtlCol="0" anchor="ctr"/>
-          <a:lstStyle/>
-          <a:p>
-            <a:pPr algn="ctr"/>
-            <a:endParaRPr lang="ko-KR" altLang="en-US"/>
-          </a:p>
-        </p:txBody>
-      </p:sp>
-      <p:sp>
-        <p:nvSpPr>
-          <p:cNvPr id="44" name="TextBox 43"/>
-          <p:cNvSpPr txBox="1"/>
-          <p:nvPr/>
-        </p:nvSpPr>
-        <p:spPr>
-          <a:xfrm>
-            <a:off x="7618221" y="4844539"/>
-            <a:ext cx="692099" cy="246221"/>
-          </a:xfrm>
-          <a:prstGeom prst="rect">
-            <a:avLst/>
-          </a:prstGeom>
-          <a:noFill/>
-        </p:spPr>
-        <p:txBody>
-          <a:bodyPr wrap="square" rtlCol="0">
-            <a:spAutoFit/>
-          </a:bodyPr>
-          <a:lstStyle/>
-          <a:p>
-            <a:r>
-              <a:rPr lang="ko-KR" altLang="en-US" sz="1000" dirty="0" err="1" smtClean="0"/>
-              <a:t>글작성</a:t>
-            </a:r>
-            <a:endParaRPr lang="ko-KR" altLang="en-US" sz="1000" dirty="0"/>
+          <a:ln>
+            <a:solidFill>
+              <a:schemeClr val="tx1"/>
+            </a:solidFill>
+          </a:ln>
+        </p:spPr>
+        <p:style>
+          <a:lnRef idx="2">
+            <a:schemeClr val="accent1">
+              <a:shade val="50000"/>
+            </a:schemeClr>
+          </a:lnRef>
+          <a:fillRef idx="1">
+            <a:schemeClr val="accent1"/>
+          </a:fillRef>
+          <a:effectRef idx="0">
+            <a:schemeClr val="accent1"/>
+          </a:effectRef>
+          <a:fontRef idx="minor">
+            <a:schemeClr val="lt1"/>
+          </a:fontRef>
+        </p:style>
+        <p:txBody>
+          <a:bodyPr rtlCol="0" anchor="ctr"/>
+          <a:lstStyle/>
+          <a:p>
+            <a:pPr algn="ctr"/>
+            <a:r>
+              <a:rPr lang="ko-KR" altLang="en-US" sz="1200" dirty="0" smtClean="0">
+                <a:solidFill>
+                  <a:schemeClr val="tx1"/>
+                </a:solidFill>
+              </a:rPr>
+              <a:t>글 작성 페이지</a:t>
+            </a:r>
+            <a:endParaRPr lang="ko-KR" altLang="en-US" sz="1200" dirty="0">
+              <a:solidFill>
+                <a:schemeClr val="tx1"/>
+              </a:solidFill>
+            </a:endParaRPr>
           </a:p>
         </p:txBody>
       </p:sp>
@@ -8725,20 +8855,23 @@
         <p:nvCxnSpPr>
           <p:cNvPr id="46" name="직선 화살표 연결선 45"/>
           <p:cNvCxnSpPr>
-            <a:stCxn id="22" idx="4"/>
+            <a:stCxn id="22" idx="3"/>
             <a:endCxn id="43" idx="0"/>
           </p:cNvCxnSpPr>
           <p:nvPr/>
         </p:nvCxnSpPr>
         <p:spPr>
           <a:xfrm flipH="1">
-            <a:off x="7964271" y="4076007"/>
-            <a:ext cx="698269" cy="342929"/>
+            <a:off x="8040842" y="3915292"/>
+            <a:ext cx="236500" cy="929247"/>
           </a:xfrm>
           <a:prstGeom prst="straightConnector1">
             <a:avLst/>
           </a:prstGeom>
           <a:ln>
+            <a:solidFill>
+              <a:schemeClr val="tx1"/>
+            </a:solidFill>
             <a:tailEnd type="triangle"/>
           </a:ln>
         </p:spPr>
@@ -8765,66 +8898,53 @@
         </p:nvSpPr>
         <p:spPr>
           <a:xfrm>
-            <a:off x="5914505" y="4418936"/>
+            <a:off x="6087973" y="4844539"/>
             <a:ext cx="1089504" cy="1097428"/>
           </a:xfrm>
           <a:prstGeom prst="ellipse">
             <a:avLst/>
           </a:prstGeom>
           <a:noFill/>
-        </p:spPr>
-        <p:style>
-          <a:lnRef idx="2">
-            <a:schemeClr val="accent1">
-              <a:shade val="50000"/>
-            </a:schemeClr>
-          </a:lnRef>
-          <a:fillRef idx="1">
-            <a:schemeClr val="accent1"/>
-          </a:fillRef>
-          <a:effectRef idx="0">
-            <a:schemeClr val="accent1"/>
-          </a:effectRef>
-          <a:fontRef idx="minor">
-            <a:schemeClr val="lt1"/>
-          </a:fontRef>
-        </p:style>
-        <p:txBody>
-          <a:bodyPr rtlCol="0" anchor="ctr"/>
-          <a:lstStyle/>
-          <a:p>
-            <a:pPr algn="ctr"/>
-            <a:endParaRPr lang="ko-KR" altLang="en-US"/>
-          </a:p>
-        </p:txBody>
-      </p:sp>
-      <p:sp>
-        <p:nvSpPr>
-          <p:cNvPr id="54" name="TextBox 53"/>
-          <p:cNvSpPr txBox="1"/>
-          <p:nvPr/>
-        </p:nvSpPr>
-        <p:spPr>
-          <a:xfrm>
-            <a:off x="6068093" y="4795801"/>
-            <a:ext cx="823157" cy="246221"/>
-          </a:xfrm>
-          <a:prstGeom prst="rect">
-            <a:avLst/>
-          </a:prstGeom>
-          <a:noFill/>
-        </p:spPr>
-        <p:txBody>
-          <a:bodyPr wrap="square" rtlCol="0">
-            <a:spAutoFit/>
-          </a:bodyPr>
-          <a:lstStyle/>
-          <a:p>
-            <a:r>
-              <a:rPr lang="ko-KR" altLang="en-US" sz="1000" smtClean="0"/>
+          <a:ln>
+            <a:solidFill>
+              <a:schemeClr val="tx1"/>
+            </a:solidFill>
+          </a:ln>
+        </p:spPr>
+        <p:style>
+          <a:lnRef idx="2">
+            <a:schemeClr val="accent1">
+              <a:shade val="50000"/>
+            </a:schemeClr>
+          </a:lnRef>
+          <a:fillRef idx="1">
+            <a:schemeClr val="accent1"/>
+          </a:fillRef>
+          <a:effectRef idx="0">
+            <a:schemeClr val="accent1"/>
+          </a:effectRef>
+          <a:fontRef idx="minor">
+            <a:schemeClr val="lt1"/>
+          </a:fontRef>
+        </p:style>
+        <p:txBody>
+          <a:bodyPr rtlCol="0" anchor="ctr"/>
+          <a:lstStyle/>
+          <a:p>
+            <a:pPr algn="ctr"/>
+            <a:r>
+              <a:rPr lang="ko-KR" altLang="en-US" sz="900" dirty="0" err="1" smtClean="0">
+                <a:solidFill>
+                  <a:schemeClr val="tx1"/>
+                </a:solidFill>
+              </a:rPr>
               <a:t>마이페이지</a:t>
             </a:r>
-            <a:endParaRPr lang="ko-KR" altLang="en-US" sz="1000" dirty="0"/>
+            <a:endParaRPr lang="ko-KR" altLang="en-US" sz="900" dirty="0">
+              <a:solidFill>
+                <a:schemeClr val="tx1"/>
+              </a:solidFill>
+            </a:endParaRPr>
           </a:p>
         </p:txBody>
       </p:sp>
@@ -8832,20 +8952,23 @@
         <p:nvCxnSpPr>
           <p:cNvPr id="56" name="직선 화살표 연결선 55"/>
           <p:cNvCxnSpPr>
-            <a:stCxn id="20" idx="4"/>
+            <a:stCxn id="20" idx="5"/>
             <a:endCxn id="53" idx="0"/>
           </p:cNvCxnSpPr>
           <p:nvPr/>
         </p:nvCxnSpPr>
         <p:spPr>
           <a:xfrm>
-            <a:off x="4957814" y="4076007"/>
-            <a:ext cx="1501443" cy="342929"/>
+            <a:off x="5650556" y="3948802"/>
+            <a:ext cx="982169" cy="895737"/>
           </a:xfrm>
           <a:prstGeom prst="straightConnector1">
             <a:avLst/>
           </a:prstGeom>
           <a:ln>
+            <a:solidFill>
+              <a:schemeClr val="tx1"/>
+            </a:solidFill>
             <a:tailEnd type="triangle"/>
           </a:ln>
         </p:spPr>
@@ -8872,66 +8995,53 @@
         </p:nvSpPr>
         <p:spPr>
           <a:xfrm>
-            <a:off x="8684945" y="4418936"/>
+            <a:off x="8912833" y="4844539"/>
             <a:ext cx="1089504" cy="1097428"/>
           </a:xfrm>
           <a:prstGeom prst="ellipse">
             <a:avLst/>
           </a:prstGeom>
           <a:noFill/>
-        </p:spPr>
-        <p:style>
-          <a:lnRef idx="2">
-            <a:schemeClr val="accent1">
-              <a:shade val="50000"/>
-            </a:schemeClr>
-          </a:lnRef>
-          <a:fillRef idx="1">
-            <a:schemeClr val="accent1"/>
-          </a:fillRef>
-          <a:effectRef idx="0">
-            <a:schemeClr val="accent1"/>
-          </a:effectRef>
-          <a:fontRef idx="minor">
-            <a:schemeClr val="lt1"/>
-          </a:fontRef>
-        </p:style>
-        <p:txBody>
-          <a:bodyPr rtlCol="0" anchor="ctr"/>
-          <a:lstStyle/>
-          <a:p>
-            <a:pPr algn="ctr"/>
-            <a:endParaRPr lang="ko-KR" altLang="en-US"/>
-          </a:p>
-        </p:txBody>
-      </p:sp>
-      <p:sp>
-        <p:nvSpPr>
-          <p:cNvPr id="59" name="TextBox 58"/>
-          <p:cNvSpPr txBox="1"/>
-          <p:nvPr/>
-        </p:nvSpPr>
-        <p:spPr>
-          <a:xfrm>
-            <a:off x="8883647" y="4844539"/>
-            <a:ext cx="692099" cy="246221"/>
-          </a:xfrm>
-          <a:prstGeom prst="rect">
-            <a:avLst/>
-          </a:prstGeom>
-          <a:noFill/>
-        </p:spPr>
-        <p:txBody>
-          <a:bodyPr wrap="square" rtlCol="0">
-            <a:spAutoFit/>
-          </a:bodyPr>
-          <a:lstStyle/>
-          <a:p>
-            <a:r>
-              <a:rPr lang="ko-KR" altLang="en-US" sz="1000" smtClean="0"/>
-              <a:t>랭킹등록</a:t>
-            </a:r>
-            <a:endParaRPr lang="ko-KR" altLang="en-US" sz="1000" dirty="0"/>
+          <a:ln>
+            <a:solidFill>
+              <a:schemeClr val="tx1"/>
+            </a:solidFill>
+          </a:ln>
+        </p:spPr>
+        <p:style>
+          <a:lnRef idx="2">
+            <a:schemeClr val="accent1">
+              <a:shade val="50000"/>
+            </a:schemeClr>
+          </a:lnRef>
+          <a:fillRef idx="1">
+            <a:schemeClr val="accent1"/>
+          </a:fillRef>
+          <a:effectRef idx="0">
+            <a:schemeClr val="accent1"/>
+          </a:effectRef>
+          <a:fontRef idx="minor">
+            <a:schemeClr val="lt1"/>
+          </a:fontRef>
+        </p:style>
+        <p:txBody>
+          <a:bodyPr rtlCol="0" anchor="ctr"/>
+          <a:lstStyle/>
+          <a:p>
+            <a:pPr algn="ctr"/>
+            <a:r>
+              <a:rPr lang="ko-KR" altLang="en-US" sz="1000" dirty="0" smtClean="0">
+                <a:solidFill>
+                  <a:schemeClr val="tx1"/>
+                </a:solidFill>
+              </a:rPr>
+              <a:t>랭킹 등록 페이지</a:t>
+            </a:r>
+            <a:endParaRPr lang="ko-KR" altLang="en-US" sz="1000" dirty="0">
+              <a:solidFill>
+                <a:schemeClr val="tx1"/>
+              </a:solidFill>
+            </a:endParaRPr>
           </a:p>
         </p:txBody>
       </p:sp>
@@ -8939,20 +9049,23 @@
         <p:nvCxnSpPr>
           <p:cNvPr id="61" name="직선 화살표 연결선 60"/>
           <p:cNvCxnSpPr>
-            <a:stCxn id="22" idx="4"/>
+            <a:stCxn id="22" idx="5"/>
             <a:endCxn id="58" idx="0"/>
           </p:cNvCxnSpPr>
           <p:nvPr/>
         </p:nvCxnSpPr>
         <p:spPr>
           <a:xfrm>
-            <a:off x="8662540" y="4076007"/>
-            <a:ext cx="567157" cy="342929"/>
+            <a:off x="9047738" y="3915292"/>
+            <a:ext cx="409847" cy="929247"/>
           </a:xfrm>
           <a:prstGeom prst="straightConnector1">
             <a:avLst/>
           </a:prstGeom>
           <a:ln>
+            <a:solidFill>
+              <a:schemeClr val="tx1"/>
+            </a:solidFill>
             <a:tailEnd type="triangle"/>
           </a:ln>
         </p:spPr>
@@ -8979,7 +9092,7 @@
         </p:nvSpPr>
         <p:spPr>
           <a:xfrm>
-            <a:off x="1173002" y="723529"/>
+            <a:off x="10258813" y="266329"/>
             <a:ext cx="2640466" cy="369332"/>
           </a:xfrm>
           <a:prstGeom prst="rect">
@@ -9002,7 +9115,7 @@
               <a:t>: </a:t>
             </a:r>
             <a:r>
-              <a:rPr lang="ko-KR" altLang="en-US" smtClean="0"/>
+              <a:rPr lang="ko-KR" altLang="en-US" dirty="0" smtClean="0"/>
               <a:t>파란색 계열</a:t>
             </a:r>
             <a:endParaRPr lang="ko-KR" altLang="en-US" dirty="0"/>
@@ -9155,6 +9268,688 @@
     <p:extLst>
       <p:ext uri="{BB962C8B-B14F-4D97-AF65-F5344CB8AC3E}">
         <p14:creationId xmlns:p14="http://schemas.microsoft.com/office/powerpoint/2010/main" val="1965642840"/>
+      </p:ext>
+    </p:extLst>
+  </p:cSld>
+  <p:clrMapOvr>
+    <a:masterClrMapping/>
+  </p:clrMapOvr>
+</p:sld>
+</file>
+
+<file path=ppt/slides/slide8.xml><?xml version="1.0" encoding="utf-8"?>
+<p:sld xmlns:a="http://schemas.openxmlformats.org/drawingml/2006/main" xmlns:r="http://schemas.openxmlformats.org/officeDocument/2006/relationships" xmlns:p="http://schemas.openxmlformats.org/presentationml/2006/main">
+  <p:cSld>
+    <p:spTree>
+      <p:nvGrpSpPr>
+        <p:cNvPr id="1" name=""/>
+        <p:cNvGrpSpPr/>
+        <p:nvPr/>
+      </p:nvGrpSpPr>
+      <p:grpSpPr>
+        <a:xfrm>
+          <a:off x="0" y="0"/>
+          <a:ext cx="0" cy="0"/>
+          <a:chOff x="0" y="0"/>
+          <a:chExt cx="0" cy="0"/>
+        </a:xfrm>
+      </p:grpSpPr>
+      <p:sp>
+        <p:nvSpPr>
+          <p:cNvPr id="5" name="모서리가 둥근 직사각형 4"/>
+          <p:cNvSpPr/>
+          <p:nvPr/>
+        </p:nvSpPr>
+        <p:spPr>
+          <a:xfrm>
+            <a:off x="4854633" y="108065"/>
+            <a:ext cx="1729048" cy="972589"/>
+          </a:xfrm>
+          <a:prstGeom prst="roundRect">
+            <a:avLst/>
+          </a:prstGeom>
+          <a:noFill/>
+          <a:ln>
+            <a:solidFill>
+              <a:schemeClr val="tx1"/>
+            </a:solidFill>
+          </a:ln>
+        </p:spPr>
+        <p:style>
+          <a:lnRef idx="2">
+            <a:schemeClr val="accent1">
+              <a:shade val="50000"/>
+            </a:schemeClr>
+          </a:lnRef>
+          <a:fillRef idx="1">
+            <a:schemeClr val="accent1"/>
+          </a:fillRef>
+          <a:effectRef idx="0">
+            <a:schemeClr val="accent1"/>
+          </a:effectRef>
+          <a:fontRef idx="minor">
+            <a:schemeClr val="lt1"/>
+          </a:fontRef>
+        </p:style>
+        <p:txBody>
+          <a:bodyPr rtlCol="0" anchor="ctr"/>
+          <a:lstStyle/>
+          <a:p>
+            <a:pPr algn="ctr"/>
+            <a:r>
+              <a:rPr lang="en-US" altLang="ko-KR" dirty="0" smtClean="0">
+                <a:solidFill>
+                  <a:schemeClr val="tx1"/>
+                </a:solidFill>
+              </a:rPr>
+              <a:t>Index</a:t>
+            </a:r>
+            <a:endParaRPr lang="ko-KR" altLang="en-US" dirty="0">
+              <a:solidFill>
+                <a:schemeClr val="tx1"/>
+              </a:solidFill>
+            </a:endParaRPr>
+          </a:p>
+        </p:txBody>
+      </p:sp>
+      <p:sp>
+        <p:nvSpPr>
+          <p:cNvPr id="16" name="모서리가 둥근 직사각형 15"/>
+          <p:cNvSpPr/>
+          <p:nvPr/>
+        </p:nvSpPr>
+        <p:spPr>
+          <a:xfrm>
+            <a:off x="1026622" y="1731817"/>
+            <a:ext cx="1729048" cy="972589"/>
+          </a:xfrm>
+          <a:prstGeom prst="roundRect">
+            <a:avLst/>
+          </a:prstGeom>
+          <a:noFill/>
+          <a:ln>
+            <a:solidFill>
+              <a:schemeClr val="tx1"/>
+            </a:solidFill>
+          </a:ln>
+        </p:spPr>
+        <p:style>
+          <a:lnRef idx="2">
+            <a:schemeClr val="accent1">
+              <a:shade val="50000"/>
+            </a:schemeClr>
+          </a:lnRef>
+          <a:fillRef idx="1">
+            <a:schemeClr val="accent1"/>
+          </a:fillRef>
+          <a:effectRef idx="0">
+            <a:schemeClr val="accent1"/>
+          </a:effectRef>
+          <a:fontRef idx="minor">
+            <a:schemeClr val="lt1"/>
+          </a:fontRef>
+        </p:style>
+        <p:txBody>
+          <a:bodyPr rtlCol="0" anchor="ctr"/>
+          <a:lstStyle/>
+          <a:p>
+            <a:pPr algn="ctr"/>
+            <a:r>
+              <a:rPr lang="ko-KR" altLang="en-US" dirty="0" smtClean="0">
+                <a:solidFill>
+                  <a:schemeClr val="tx1"/>
+                </a:solidFill>
+              </a:rPr>
+              <a:t>검색 결과 창</a:t>
+            </a:r>
+            <a:endParaRPr lang="ko-KR" altLang="en-US" dirty="0">
+              <a:solidFill>
+                <a:schemeClr val="tx1"/>
+              </a:solidFill>
+            </a:endParaRPr>
+          </a:p>
+        </p:txBody>
+      </p:sp>
+      <p:sp>
+        <p:nvSpPr>
+          <p:cNvPr id="17" name="모서리가 둥근 직사각형 16"/>
+          <p:cNvSpPr/>
+          <p:nvPr/>
+        </p:nvSpPr>
+        <p:spPr>
+          <a:xfrm>
+            <a:off x="4854633" y="1731817"/>
+            <a:ext cx="1729048" cy="972589"/>
+          </a:xfrm>
+          <a:prstGeom prst="roundRect">
+            <a:avLst/>
+          </a:prstGeom>
+          <a:noFill/>
+          <a:ln>
+            <a:solidFill>
+              <a:schemeClr val="tx1"/>
+            </a:solidFill>
+          </a:ln>
+        </p:spPr>
+        <p:style>
+          <a:lnRef idx="2">
+            <a:schemeClr val="accent1">
+              <a:shade val="50000"/>
+            </a:schemeClr>
+          </a:lnRef>
+          <a:fillRef idx="1">
+            <a:schemeClr val="accent1"/>
+          </a:fillRef>
+          <a:effectRef idx="0">
+            <a:schemeClr val="accent1"/>
+          </a:effectRef>
+          <a:fontRef idx="minor">
+            <a:schemeClr val="lt1"/>
+          </a:fontRef>
+        </p:style>
+        <p:txBody>
+          <a:bodyPr rtlCol="0" anchor="ctr"/>
+          <a:lstStyle/>
+          <a:p>
+            <a:pPr algn="ctr"/>
+            <a:r>
+              <a:rPr lang="ko-KR" altLang="en-US" sz="1400" dirty="0" smtClean="0">
+                <a:solidFill>
+                  <a:schemeClr val="tx1"/>
+                </a:solidFill>
+              </a:rPr>
+              <a:t>로그인</a:t>
+            </a:r>
+            <a:r>
+              <a:rPr lang="en-US" altLang="ko-KR" sz="1400" dirty="0" smtClean="0">
+                <a:solidFill>
+                  <a:schemeClr val="tx1"/>
+                </a:solidFill>
+              </a:rPr>
+              <a:t>/</a:t>
+            </a:r>
+            <a:r>
+              <a:rPr lang="ko-KR" altLang="en-US" sz="1400" dirty="0" err="1" smtClean="0">
+                <a:solidFill>
+                  <a:schemeClr val="tx1"/>
+                </a:solidFill>
+              </a:rPr>
+              <a:t>내정보</a:t>
+            </a:r>
+            <a:endParaRPr lang="ko-KR" altLang="en-US" sz="1400" dirty="0">
+              <a:solidFill>
+                <a:schemeClr val="tx1"/>
+              </a:solidFill>
+            </a:endParaRPr>
+          </a:p>
+        </p:txBody>
+      </p:sp>
+      <p:sp>
+        <p:nvSpPr>
+          <p:cNvPr id="18" name="모서리가 둥근 직사각형 17"/>
+          <p:cNvSpPr/>
+          <p:nvPr/>
+        </p:nvSpPr>
+        <p:spPr>
+          <a:xfrm>
+            <a:off x="9333811" y="1731816"/>
+            <a:ext cx="1729048" cy="972589"/>
+          </a:xfrm>
+          <a:prstGeom prst="roundRect">
+            <a:avLst/>
+          </a:prstGeom>
+          <a:noFill/>
+          <a:ln>
+            <a:solidFill>
+              <a:schemeClr val="tx1"/>
+            </a:solidFill>
+          </a:ln>
+        </p:spPr>
+        <p:style>
+          <a:lnRef idx="2">
+            <a:schemeClr val="accent1">
+              <a:shade val="50000"/>
+            </a:schemeClr>
+          </a:lnRef>
+          <a:fillRef idx="1">
+            <a:schemeClr val="accent1"/>
+          </a:fillRef>
+          <a:effectRef idx="0">
+            <a:schemeClr val="accent1"/>
+          </a:effectRef>
+          <a:fontRef idx="minor">
+            <a:schemeClr val="lt1"/>
+          </a:fontRef>
+        </p:style>
+        <p:txBody>
+          <a:bodyPr rtlCol="0" anchor="ctr"/>
+          <a:lstStyle/>
+          <a:p>
+            <a:pPr algn="ctr"/>
+            <a:r>
+              <a:rPr lang="ko-KR" altLang="en-US" dirty="0" smtClean="0">
+                <a:solidFill>
+                  <a:schemeClr val="tx1"/>
+                </a:solidFill>
+              </a:rPr>
+              <a:t>커뮤니티</a:t>
+            </a:r>
+            <a:endParaRPr lang="ko-KR" altLang="en-US" dirty="0">
+              <a:solidFill>
+                <a:schemeClr val="tx1"/>
+              </a:solidFill>
+            </a:endParaRPr>
+          </a:p>
+        </p:txBody>
+      </p:sp>
+      <p:sp>
+        <p:nvSpPr>
+          <p:cNvPr id="20" name="타원 19"/>
+          <p:cNvSpPr/>
+          <p:nvPr/>
+        </p:nvSpPr>
+        <p:spPr>
+          <a:xfrm>
+            <a:off x="1138845" y="3524596"/>
+            <a:ext cx="1504603" cy="1454728"/>
+          </a:xfrm>
+          <a:prstGeom prst="ellipse">
+            <a:avLst/>
+          </a:prstGeom>
+          <a:noFill/>
+          <a:ln>
+            <a:solidFill>
+              <a:schemeClr val="tx1"/>
+            </a:solidFill>
+          </a:ln>
+        </p:spPr>
+        <p:style>
+          <a:lnRef idx="2">
+            <a:schemeClr val="accent1">
+              <a:shade val="50000"/>
+            </a:schemeClr>
+          </a:lnRef>
+          <a:fillRef idx="1">
+            <a:schemeClr val="accent1"/>
+          </a:fillRef>
+          <a:effectRef idx="0">
+            <a:schemeClr val="accent1"/>
+          </a:effectRef>
+          <a:fontRef idx="minor">
+            <a:schemeClr val="lt1"/>
+          </a:fontRef>
+        </p:style>
+        <p:txBody>
+          <a:bodyPr rtlCol="0" anchor="ctr"/>
+          <a:lstStyle/>
+          <a:p>
+            <a:pPr algn="ctr"/>
+            <a:r>
+              <a:rPr lang="ko-KR" altLang="en-US" sz="1000" dirty="0" err="1" smtClean="0">
+                <a:solidFill>
+                  <a:schemeClr val="tx1"/>
+                </a:solidFill>
+              </a:rPr>
+              <a:t>검색어</a:t>
+            </a:r>
+            <a:r>
+              <a:rPr lang="ko-KR" altLang="en-US" sz="1000" dirty="0" smtClean="0">
+                <a:solidFill>
+                  <a:schemeClr val="tx1"/>
+                </a:solidFill>
+              </a:rPr>
+              <a:t> 설명 창</a:t>
+            </a:r>
+            <a:endParaRPr lang="ko-KR" altLang="en-US" sz="1000" dirty="0">
+              <a:solidFill>
+                <a:schemeClr val="tx1"/>
+              </a:solidFill>
+            </a:endParaRPr>
+          </a:p>
+        </p:txBody>
+      </p:sp>
+      <p:sp>
+        <p:nvSpPr>
+          <p:cNvPr id="21" name="타원 20"/>
+          <p:cNvSpPr/>
+          <p:nvPr/>
+        </p:nvSpPr>
+        <p:spPr>
+          <a:xfrm>
+            <a:off x="3471950" y="3524596"/>
+            <a:ext cx="1504603" cy="1454728"/>
+          </a:xfrm>
+          <a:prstGeom prst="ellipse">
+            <a:avLst/>
+          </a:prstGeom>
+          <a:noFill/>
+          <a:ln>
+            <a:solidFill>
+              <a:schemeClr val="tx1"/>
+            </a:solidFill>
+          </a:ln>
+        </p:spPr>
+        <p:style>
+          <a:lnRef idx="2">
+            <a:schemeClr val="accent1">
+              <a:shade val="50000"/>
+            </a:schemeClr>
+          </a:lnRef>
+          <a:fillRef idx="1">
+            <a:schemeClr val="accent1"/>
+          </a:fillRef>
+          <a:effectRef idx="0">
+            <a:schemeClr val="accent1"/>
+          </a:effectRef>
+          <a:fontRef idx="minor">
+            <a:schemeClr val="lt1"/>
+          </a:fontRef>
+        </p:style>
+        <p:txBody>
+          <a:bodyPr rtlCol="0" anchor="ctr"/>
+          <a:lstStyle/>
+          <a:p>
+            <a:pPr algn="ctr"/>
+            <a:r>
+              <a:rPr lang="ko-KR" altLang="en-US" sz="1200" dirty="0" smtClean="0">
+                <a:solidFill>
+                  <a:schemeClr val="tx1"/>
+                </a:solidFill>
+              </a:rPr>
+              <a:t>회원가입 창</a:t>
+            </a:r>
+            <a:endParaRPr lang="ko-KR" altLang="en-US" sz="1200" dirty="0">
+              <a:solidFill>
+                <a:schemeClr val="tx1"/>
+              </a:solidFill>
+            </a:endParaRPr>
+          </a:p>
+        </p:txBody>
+      </p:sp>
+      <p:sp>
+        <p:nvSpPr>
+          <p:cNvPr id="22" name="타원 21"/>
+          <p:cNvSpPr/>
+          <p:nvPr/>
+        </p:nvSpPr>
+        <p:spPr>
+          <a:xfrm>
+            <a:off x="5079078" y="3524596"/>
+            <a:ext cx="1504603" cy="1454728"/>
+          </a:xfrm>
+          <a:prstGeom prst="ellipse">
+            <a:avLst/>
+          </a:prstGeom>
+          <a:noFill/>
+          <a:ln>
+            <a:solidFill>
+              <a:schemeClr val="tx1"/>
+            </a:solidFill>
+          </a:ln>
+        </p:spPr>
+        <p:style>
+          <a:lnRef idx="2">
+            <a:schemeClr val="accent1">
+              <a:shade val="50000"/>
+            </a:schemeClr>
+          </a:lnRef>
+          <a:fillRef idx="1">
+            <a:schemeClr val="accent1"/>
+          </a:fillRef>
+          <a:effectRef idx="0">
+            <a:schemeClr val="accent1"/>
+          </a:effectRef>
+          <a:fontRef idx="minor">
+            <a:schemeClr val="lt1"/>
+          </a:fontRef>
+        </p:style>
+        <p:txBody>
+          <a:bodyPr rtlCol="0" anchor="ctr"/>
+          <a:lstStyle/>
+          <a:p>
+            <a:pPr algn="ctr"/>
+            <a:r>
+              <a:rPr lang="ko-KR" altLang="en-US" sz="900" dirty="0" smtClean="0">
+                <a:solidFill>
+                  <a:schemeClr val="tx1"/>
+                </a:solidFill>
+              </a:rPr>
+              <a:t>아이디</a:t>
+            </a:r>
+            <a:r>
+              <a:rPr lang="en-US" altLang="ko-KR" sz="900" dirty="0" smtClean="0">
+                <a:solidFill>
+                  <a:schemeClr val="tx1"/>
+                </a:solidFill>
+              </a:rPr>
+              <a:t>/</a:t>
+            </a:r>
+            <a:r>
+              <a:rPr lang="ko-KR" altLang="en-US" sz="900" dirty="0" smtClean="0">
+                <a:solidFill>
+                  <a:schemeClr val="tx1"/>
+                </a:solidFill>
+              </a:rPr>
+              <a:t>비밀번호</a:t>
+            </a:r>
+            <a:r>
+              <a:rPr lang="en-US" altLang="ko-KR" sz="900" dirty="0">
+                <a:solidFill>
+                  <a:schemeClr val="tx1"/>
+                </a:solidFill>
+              </a:rPr>
+              <a:t> </a:t>
+            </a:r>
+            <a:r>
+              <a:rPr lang="ko-KR" altLang="en-US" sz="900" dirty="0" smtClean="0">
+                <a:solidFill>
+                  <a:schemeClr val="tx1"/>
+                </a:solidFill>
+              </a:rPr>
+              <a:t>찾기</a:t>
+            </a:r>
+            <a:endParaRPr lang="ko-KR" altLang="en-US" sz="900" dirty="0">
+              <a:solidFill>
+                <a:schemeClr val="tx1"/>
+              </a:solidFill>
+            </a:endParaRPr>
+          </a:p>
+        </p:txBody>
+      </p:sp>
+      <p:sp>
+        <p:nvSpPr>
+          <p:cNvPr id="23" name="타원 22"/>
+          <p:cNvSpPr/>
+          <p:nvPr/>
+        </p:nvSpPr>
+        <p:spPr>
+          <a:xfrm>
+            <a:off x="6686206" y="3499657"/>
+            <a:ext cx="1504603" cy="1454728"/>
+          </a:xfrm>
+          <a:prstGeom prst="ellipse">
+            <a:avLst/>
+          </a:prstGeom>
+          <a:noFill/>
+          <a:ln>
+            <a:solidFill>
+              <a:schemeClr val="tx1"/>
+            </a:solidFill>
+          </a:ln>
+        </p:spPr>
+        <p:style>
+          <a:lnRef idx="2">
+            <a:schemeClr val="accent1">
+              <a:shade val="50000"/>
+            </a:schemeClr>
+          </a:lnRef>
+          <a:fillRef idx="1">
+            <a:schemeClr val="accent1"/>
+          </a:fillRef>
+          <a:effectRef idx="0">
+            <a:schemeClr val="accent1"/>
+          </a:effectRef>
+          <a:fontRef idx="minor">
+            <a:schemeClr val="lt1"/>
+          </a:fontRef>
+        </p:style>
+        <p:txBody>
+          <a:bodyPr rtlCol="0" anchor="ctr"/>
+          <a:lstStyle/>
+          <a:p>
+            <a:pPr algn="ctr"/>
+            <a:r>
+              <a:rPr lang="ko-KR" altLang="en-US" sz="1200" dirty="0" err="1" smtClean="0">
+                <a:solidFill>
+                  <a:schemeClr val="tx1"/>
+                </a:solidFill>
+              </a:rPr>
+              <a:t>마이페이지</a:t>
+            </a:r>
+            <a:endParaRPr lang="ko-KR" altLang="en-US" sz="1200" dirty="0">
+              <a:solidFill>
+                <a:schemeClr val="tx1"/>
+              </a:solidFill>
+            </a:endParaRPr>
+          </a:p>
+        </p:txBody>
+      </p:sp>
+      <p:sp>
+        <p:nvSpPr>
+          <p:cNvPr id="24" name="타원 23"/>
+          <p:cNvSpPr/>
+          <p:nvPr/>
+        </p:nvSpPr>
+        <p:spPr>
+          <a:xfrm>
+            <a:off x="8792096" y="3524596"/>
+            <a:ext cx="1504603" cy="1454728"/>
+          </a:xfrm>
+          <a:prstGeom prst="ellipse">
+            <a:avLst/>
+          </a:prstGeom>
+          <a:noFill/>
+          <a:ln>
+            <a:solidFill>
+              <a:schemeClr val="tx1"/>
+            </a:solidFill>
+          </a:ln>
+        </p:spPr>
+        <p:style>
+          <a:lnRef idx="2">
+            <a:schemeClr val="accent1">
+              <a:shade val="50000"/>
+            </a:schemeClr>
+          </a:lnRef>
+          <a:fillRef idx="1">
+            <a:schemeClr val="accent1"/>
+          </a:fillRef>
+          <a:effectRef idx="0">
+            <a:schemeClr val="accent1"/>
+          </a:effectRef>
+          <a:fontRef idx="minor">
+            <a:schemeClr val="lt1"/>
+          </a:fontRef>
+        </p:style>
+        <p:txBody>
+          <a:bodyPr rtlCol="0" anchor="ctr"/>
+          <a:lstStyle/>
+          <a:p>
+            <a:pPr algn="ctr"/>
+            <a:r>
+              <a:rPr lang="ko-KR" altLang="en-US" dirty="0" err="1" smtClean="0">
+                <a:solidFill>
+                  <a:schemeClr val="tx1"/>
+                </a:solidFill>
+              </a:rPr>
+              <a:t>검색어</a:t>
+            </a:r>
+            <a:r>
+              <a:rPr lang="ko-KR" altLang="en-US" dirty="0" smtClean="0">
+                <a:solidFill>
+                  <a:schemeClr val="tx1"/>
+                </a:solidFill>
+              </a:rPr>
+              <a:t> 설명</a:t>
+            </a:r>
+            <a:endParaRPr lang="ko-KR" altLang="en-US" dirty="0">
+              <a:solidFill>
+                <a:schemeClr val="tx1"/>
+              </a:solidFill>
+            </a:endParaRPr>
+          </a:p>
+        </p:txBody>
+      </p:sp>
+      <p:sp>
+        <p:nvSpPr>
+          <p:cNvPr id="25" name="타원 24"/>
+          <p:cNvSpPr/>
+          <p:nvPr/>
+        </p:nvSpPr>
+        <p:spPr>
+          <a:xfrm>
+            <a:off x="10408922" y="3499656"/>
+            <a:ext cx="1504603" cy="1454728"/>
+          </a:xfrm>
+          <a:prstGeom prst="ellipse">
+            <a:avLst/>
+          </a:prstGeom>
+          <a:noFill/>
+          <a:ln>
+            <a:solidFill>
+              <a:schemeClr val="tx1"/>
+            </a:solidFill>
+          </a:ln>
+        </p:spPr>
+        <p:style>
+          <a:lnRef idx="2">
+            <a:schemeClr val="accent1">
+              <a:shade val="50000"/>
+            </a:schemeClr>
+          </a:lnRef>
+          <a:fillRef idx="1">
+            <a:schemeClr val="accent1"/>
+          </a:fillRef>
+          <a:effectRef idx="0">
+            <a:schemeClr val="accent1"/>
+          </a:effectRef>
+          <a:fontRef idx="minor">
+            <a:schemeClr val="lt1"/>
+          </a:fontRef>
+        </p:style>
+        <p:txBody>
+          <a:bodyPr rtlCol="0" anchor="ctr"/>
+          <a:lstStyle/>
+          <a:p>
+            <a:pPr algn="ctr"/>
+            <a:r>
+              <a:rPr lang="ko-KR" altLang="en-US" dirty="0" err="1" smtClean="0">
+                <a:solidFill>
+                  <a:schemeClr val="tx1"/>
+                </a:solidFill>
+              </a:rPr>
+              <a:t>검색어</a:t>
+            </a:r>
+            <a:r>
+              <a:rPr lang="ko-KR" altLang="en-US" dirty="0" smtClean="0">
+                <a:solidFill>
+                  <a:schemeClr val="tx1"/>
+                </a:solidFill>
+              </a:rPr>
+              <a:t> 설명</a:t>
+            </a:r>
+            <a:endParaRPr lang="ko-KR" altLang="en-US" dirty="0">
+              <a:solidFill>
+                <a:schemeClr val="tx1"/>
+              </a:solidFill>
+            </a:endParaRPr>
+          </a:p>
+        </p:txBody>
+      </p:sp>
+    </p:spTree>
+    <p:extLst>
+      <p:ext uri="{BB962C8B-B14F-4D97-AF65-F5344CB8AC3E}">
+        <p14:creationId xmlns:p14="http://schemas.microsoft.com/office/powerpoint/2010/main" val="1580292577"/>
       </p:ext>
     </p:extLst>
   </p:cSld>
